--- a/presentation.pptx
+++ b/presentation.pptx
@@ -32,6 +32,9 @@
     <p:sldId id="280" r:id="rId26"/>
     <p:sldId id="281" r:id="rId27"/>
     <p:sldId id="282" r:id="rId28"/>
+    <p:sldId id="283" r:id="rId29"/>
+    <p:sldId id="284" r:id="rId30"/>
+    <p:sldId id="285" r:id="rId31"/>
   </p:sldIdLst>
   <p:sldSz cx="12192000" cy="6858000"/>
   <p:notesSz cx="6858000" cy="9144000"/>
@@ -328,7 +331,7 @@
           <a:p>
             <a:fld id="{4AAD347D-5ACD-4C99-B74B-A9C85AD731AF}" type="datetimeFigureOut">
               <a:rPr lang="en-US" dirty="0"/>
-              <a:t>11/30/2017</a:t>
+              <a:t>12/15/2017</a:t>
             </a:fld>
             <a:endParaRPr lang="en-US" dirty="0"/>
           </a:p>
@@ -598,7 +601,7 @@
           <a:p>
             <a:fld id="{4509A250-FF31-4206-8172-F9D3106AACB1}" type="datetimeFigureOut">
               <a:rPr lang="en-US" dirty="0"/>
-              <a:t>11/30/2017</a:t>
+              <a:t>12/15/2017</a:t>
             </a:fld>
             <a:endParaRPr lang="en-US" dirty="0"/>
           </a:p>
@@ -787,7 +790,7 @@
           <a:p>
             <a:fld id="{4509A250-FF31-4206-8172-F9D3106AACB1}" type="datetimeFigureOut">
               <a:rPr lang="en-US" dirty="0"/>
-              <a:t>11/30/2017</a:t>
+              <a:t>12/15/2017</a:t>
             </a:fld>
             <a:endParaRPr lang="en-US" dirty="0"/>
           </a:p>
@@ -1055,7 +1058,7 @@
           <a:p>
             <a:fld id="{4509A250-FF31-4206-8172-F9D3106AACB1}" type="datetimeFigureOut">
               <a:rPr lang="en-US" dirty="0"/>
-              <a:t>11/30/2017</a:t>
+              <a:t>12/15/2017</a:t>
             </a:fld>
             <a:endParaRPr lang="en-US" dirty="0"/>
           </a:p>
@@ -1391,7 +1394,7 @@
           <a:p>
             <a:fld id="{4509A250-FF31-4206-8172-F9D3106AACB1}" type="datetimeFigureOut">
               <a:rPr lang="en-US" dirty="0"/>
-              <a:t>11/30/2017</a:t>
+              <a:t>12/15/2017</a:t>
             </a:fld>
             <a:endParaRPr lang="en-US" dirty="0"/>
           </a:p>
@@ -2009,7 +2012,7 @@
           <a:p>
             <a:fld id="{4509A250-FF31-4206-8172-F9D3106AACB1}" type="datetimeFigureOut">
               <a:rPr lang="en-US" dirty="0"/>
-              <a:t>11/30/2017</a:t>
+              <a:t>12/15/2017</a:t>
             </a:fld>
             <a:endParaRPr lang="en-US" dirty="0"/>
           </a:p>
@@ -2864,7 +2867,7 @@
           <a:p>
             <a:fld id="{4509A250-FF31-4206-8172-F9D3106AACB1}" type="datetimeFigureOut">
               <a:rPr lang="en-US" dirty="0"/>
-              <a:t>11/30/2017</a:t>
+              <a:t>12/15/2017</a:t>
             </a:fld>
             <a:endParaRPr lang="en-US" dirty="0"/>
           </a:p>
@@ -3029,7 +3032,7 @@
           <a:p>
             <a:fld id="{4509A250-FF31-4206-8172-F9D3106AACB1}" type="datetimeFigureOut">
               <a:rPr lang="en-US" dirty="0"/>
-              <a:t>11/30/2017</a:t>
+              <a:t>12/15/2017</a:t>
             </a:fld>
             <a:endParaRPr lang="en-US" dirty="0"/>
           </a:p>
@@ -3204,7 +3207,7 @@
           <a:p>
             <a:fld id="{4509A250-FF31-4206-8172-F9D3106AACB1}" type="datetimeFigureOut">
               <a:rPr lang="en-US" dirty="0"/>
-              <a:t>11/30/2017</a:t>
+              <a:t>12/15/2017</a:t>
             </a:fld>
             <a:endParaRPr lang="en-US" dirty="0"/>
           </a:p>
@@ -3369,7 +3372,7 @@
           <a:p>
             <a:fld id="{4509A250-FF31-4206-8172-F9D3106AACB1}" type="datetimeFigureOut">
               <a:rPr lang="en-US" dirty="0"/>
-              <a:t>11/30/2017</a:t>
+              <a:t>12/15/2017</a:t>
             </a:fld>
             <a:endParaRPr lang="en-US" dirty="0"/>
           </a:p>
@@ -3611,7 +3614,7 @@
           <a:p>
             <a:fld id="{9796027F-7875-4030-9381-8BD8C4F21935}" type="datetimeFigureOut">
               <a:rPr lang="en-US" dirty="0"/>
-              <a:t>11/30/2017</a:t>
+              <a:t>12/15/2017</a:t>
             </a:fld>
             <a:endParaRPr lang="en-US" dirty="0"/>
           </a:p>
@@ -3898,7 +3901,7 @@
           <a:p>
             <a:fld id="{9796027F-7875-4030-9381-8BD8C4F21935}" type="datetimeFigureOut">
               <a:rPr lang="en-US" dirty="0"/>
-              <a:t>11/30/2017</a:t>
+              <a:t>12/15/2017</a:t>
             </a:fld>
             <a:endParaRPr lang="en-US" dirty="0"/>
           </a:p>
@@ -4337,7 +4340,7 @@
           <a:p>
             <a:fld id="{9796027F-7875-4030-9381-8BD8C4F21935}" type="datetimeFigureOut">
               <a:rPr lang="en-US" dirty="0"/>
-              <a:t>11/30/2017</a:t>
+              <a:t>12/15/2017</a:t>
             </a:fld>
             <a:endParaRPr lang="en-US" dirty="0"/>
           </a:p>
@@ -4450,7 +4453,7 @@
           <a:p>
             <a:fld id="{4509A250-FF31-4206-8172-F9D3106AACB1}" type="datetimeFigureOut">
               <a:rPr lang="en-US" dirty="0"/>
-              <a:t>11/30/2017</a:t>
+              <a:t>12/15/2017</a:t>
             </a:fld>
             <a:endParaRPr lang="en-US" dirty="0"/>
           </a:p>
@@ -4540,7 +4543,7 @@
           <a:p>
             <a:fld id="{4509A250-FF31-4206-8172-F9D3106AACB1}" type="datetimeFigureOut">
               <a:rPr lang="en-US" dirty="0"/>
-              <a:t>11/30/2017</a:t>
+              <a:t>12/15/2017</a:t>
             </a:fld>
             <a:endParaRPr lang="en-US" dirty="0"/>
           </a:p>
@@ -4814,7 +4817,7 @@
           <a:p>
             <a:fld id="{4509A250-FF31-4206-8172-F9D3106AACB1}" type="datetimeFigureOut">
               <a:rPr lang="en-US" dirty="0"/>
-              <a:t>11/30/2017</a:t>
+              <a:t>12/15/2017</a:t>
             </a:fld>
             <a:endParaRPr lang="en-US" dirty="0"/>
           </a:p>
@@ -5084,7 +5087,7 @@
           <a:p>
             <a:fld id="{4509A250-FF31-4206-8172-F9D3106AACB1}" type="datetimeFigureOut">
               <a:rPr lang="en-US" dirty="0"/>
-              <a:t>11/30/2017</a:t>
+              <a:t>12/15/2017</a:t>
             </a:fld>
             <a:endParaRPr lang="en-US" dirty="0"/>
           </a:p>
@@ -5508,7 +5511,7 @@
           <a:p>
             <a:fld id="{4AAD347D-5ACD-4C99-B74B-A9C85AD731AF}" type="datetimeFigureOut">
               <a:rPr lang="en-US" dirty="0"/>
-              <a:t>11/30/2017</a:t>
+              <a:t>12/15/2017</a:t>
             </a:fld>
             <a:endParaRPr lang="en-US" dirty="0"/>
           </a:p>
@@ -6050,8 +6053,8 @@
         </p:nvSpPr>
         <p:spPr>
           <a:xfrm>
-            <a:off x="1154955" y="1749669"/>
-            <a:ext cx="8825658" cy="2130896"/>
+            <a:off x="1260463" y="2277207"/>
+            <a:ext cx="8825658" cy="1295627"/>
           </a:xfrm>
         </p:spPr>
         <p:txBody>
@@ -6060,12 +6063,20 @@
           <a:p>
             <a:pPr algn="ctr"/>
             <a:r>
+              <a:rPr lang="en-US" sz="4000" dirty="0">
+                <a:solidFill>
+                  <a:srgbClr val="FFFF00"/>
+                </a:solidFill>
+              </a:rPr>
+              <a:t>Hybrid</a:t>
+            </a:r>
+            <a:r>
               <a:rPr lang="ru-RU" sz="4000" dirty="0">
                 <a:solidFill>
                   <a:srgbClr val="FFFF00"/>
                 </a:solidFill>
               </a:rPr>
-              <a:t>Гибридное императивно- логическое программирование в задачах </a:t>
+              <a:t> </a:t>
             </a:r>
             <a:r>
               <a:rPr lang="en-US" sz="4000" dirty="0">
@@ -6073,7 +6084,23 @@
                   <a:srgbClr val="FFFF00"/>
                 </a:solidFill>
               </a:rPr>
-              <a:t>RPA</a:t>
+              <a:t>imperative-logical</a:t>
+            </a:r>
+            <a:r>
+              <a:rPr lang="ru-RU" sz="4000" dirty="0">
+                <a:solidFill>
+                  <a:srgbClr val="FFFF00"/>
+                </a:solidFill>
+              </a:rPr>
+              <a:t> </a:t>
+            </a:r>
+            <a:r>
+              <a:rPr lang="en-US" sz="4000" dirty="0">
+                <a:solidFill>
+                  <a:srgbClr val="FFFF00"/>
+                </a:solidFill>
+              </a:rPr>
+              <a:t>programming in RPA tasks</a:t>
             </a:r>
           </a:p>
         </p:txBody>
@@ -6135,18 +6162,13 @@
           <a:lstStyle/>
           <a:p>
             <a:r>
-              <a:rPr lang="ru-RU" sz="2800" dirty="0">
+              <a:rPr lang="en-US" sz="2800" dirty="0">
                 <a:solidFill>
                   <a:srgbClr val="FFFF00"/>
                 </a:solidFill>
               </a:rPr>
-              <a:t>Декларативная компонента – описание понятий</a:t>
-            </a:r>
-            <a:endParaRPr lang="en-US" sz="2800" dirty="0">
-              <a:solidFill>
-                <a:srgbClr val="FFFF00"/>
-              </a:solidFill>
-            </a:endParaRPr>
+              <a:t>Declarative component: concepts</a:t>
+            </a:r>
           </a:p>
         </p:txBody>
       </p:sp>
@@ -6174,7 +6196,7 @@
         </p:spPr>
         <p:txBody>
           <a:bodyPr>
-            <a:normAutofit fontScale="92500" lnSpcReduction="20000"/>
+            <a:normAutofit fontScale="92500" lnSpcReduction="10000"/>
           </a:bodyPr>
           <a:lstStyle/>
           <a:p>
@@ -6182,58 +6204,89 @@
               <a:buNone/>
             </a:pPr>
             <a:r>
-              <a:rPr lang="ru-RU" b="1" dirty="0"/>
-              <a:t>Понятия представляют обобщенные сведения и знания о предметной области. Представляют собой описание структуры нового класса объектов а так же правило его создания.</a:t>
-            </a:r>
+              <a:rPr lang="en-US" b="1" dirty="0"/>
+              <a:t>Concepts represent generalized information and knowledge about the subject area. They consist of a description of the structure of a new class of objects as well as the rule for creating it.</a:t>
+            </a:r>
+            <a:endParaRPr lang="ru-RU" b="1" dirty="0"/>
           </a:p>
           <a:p>
             <a:pPr marL="0" indent="0">
               <a:buNone/>
             </a:pPr>
             <a:r>
+              <a:rPr lang="en-US" dirty="0"/>
+              <a:t>Concepts types</a:t>
+            </a:r>
+            <a:r>
               <a:rPr lang="ru-RU" dirty="0"/>
-              <a:t>Типы понятий:</a:t>
-            </a:r>
-          </a:p>
-          <a:p>
-            <a:r>
-              <a:rPr lang="ru-RU" b="1" dirty="0"/>
-              <a:t>Составное понятие </a:t>
+              <a:t>:</a:t>
+            </a:r>
+          </a:p>
+          <a:p>
+            <a:r>
+              <a:rPr lang="en-US" b="1" dirty="0"/>
+              <a:t>Composite concept</a:t>
             </a:r>
             <a:r>
               <a:rPr lang="ru-RU" dirty="0"/>
-              <a:t>– позволяет описать набор атрибутов нового класса объектов, связать их с родительскими понятиями или их атрибутами а так же задать связи родительских понятий между собой.</a:t>
-            </a:r>
-          </a:p>
-          <a:p>
-            <a:r>
-              <a:rPr lang="ru-RU" b="1" dirty="0"/>
-              <a:t>Понятие, основанное на наследовании </a:t>
+              <a:t> </a:t>
+            </a:r>
+            <a:r>
+              <a:rPr lang="en-US" dirty="0"/>
+              <a:t>allows to describe a set of attributes of a new class of objects, associate them with the parent concepts or their attributes, and also specify the relations between parent concepts</a:t>
+            </a:r>
+            <a:endParaRPr lang="ru-RU" dirty="0"/>
+          </a:p>
+          <a:p>
+            <a:r>
+              <a:rPr lang="en-US" b="1" dirty="0"/>
+              <a:t>Concept based on inheritance </a:t>
+            </a:r>
+            <a:r>
+              <a:rPr lang="en-US" dirty="0"/>
+              <a:t>allow to extend or override part of the attributes of the parent concept</a:t>
             </a:r>
             <a:r>
               <a:rPr lang="ru-RU" dirty="0"/>
-              <a:t>– позволяет расширить или переопределить часть аттрибутов родительского понятия. </a:t>
-            </a:r>
-          </a:p>
-          <a:p>
-            <a:r>
-              <a:rPr lang="ru-RU" b="1" dirty="0"/>
-              <a:t>Понятие как подмножество другого понятия </a:t>
+              <a:t> </a:t>
+            </a:r>
+          </a:p>
+          <a:p>
+            <a:r>
+              <a:rPr lang="en-US" b="1" dirty="0"/>
+              <a:t>Concept as a subset of another concept</a:t>
             </a:r>
             <a:r>
               <a:rPr lang="ru-RU" dirty="0"/>
-              <a:t>– позволяет отфильтровать часть объектов родительского понятия. Особенностью данного понятия является то, что объекты этого понятия сохраняют структуру и имена объектов родительского понятия.</a:t>
-            </a:r>
-          </a:p>
-          <a:p>
-            <a:r>
-              <a:rPr lang="ru-RU" b="1" dirty="0"/>
-              <a:t>Понятие как функция </a:t>
+              <a:t> </a:t>
+            </a:r>
+            <a:r>
+              <a:rPr lang="en-US" dirty="0"/>
+              <a:t>allows to filter out some of the objects of the parent concept</a:t>
             </a:r>
             <a:r>
               <a:rPr lang="ru-RU" dirty="0"/>
-              <a:t>– представляет собой способ описания понятия как функцию, возвращающую список новых объектов.</a:t>
-            </a:r>
+              <a:t>. </a:t>
+            </a:r>
+            <a:r>
+              <a:rPr lang="en-US" dirty="0"/>
+              <a:t>A distinctive feature of this concept is that its objects preserve the structure and names of objects of the parent concept</a:t>
+            </a:r>
+          </a:p>
+          <a:p>
+            <a:r>
+              <a:rPr lang="en-US" b="1" dirty="0"/>
+              <a:t>Concept as a function</a:t>
+            </a:r>
+            <a:r>
+              <a:rPr lang="ru-RU" dirty="0"/>
+              <a:t> </a:t>
+            </a:r>
+            <a:r>
+              <a:rPr lang="en-US" dirty="0"/>
+              <a:t>is a way of describing a new class of objects with a function that returns a list of new objects</a:t>
+            </a:r>
+            <a:endParaRPr lang="ru-RU" dirty="0"/>
           </a:p>
           <a:p>
             <a:endParaRPr lang="ru-RU" dirty="0"/>
@@ -6300,18 +6353,13 @@
           <a:lstStyle/>
           <a:p>
             <a:r>
-              <a:rPr lang="ru-RU" sz="2800" dirty="0">
+              <a:rPr lang="en-US" sz="2800" dirty="0">
                 <a:solidFill>
                   <a:srgbClr val="FFFF00"/>
                 </a:solidFill>
               </a:rPr>
-              <a:t>Декларативная компонента – составные понятия</a:t>
-            </a:r>
-            <a:endParaRPr lang="en-US" sz="2800" dirty="0">
-              <a:solidFill>
-                <a:srgbClr val="FFFF00"/>
-              </a:solidFill>
-            </a:endParaRPr>
+              <a:t>Declarative component: composite concepts</a:t>
+            </a:r>
           </a:p>
         </p:txBody>
       </p:sp>
@@ -7166,7 +7214,7 @@
                   <a:srgbClr val="CCFF99"/>
                 </a:solidFill>
               </a:rPr>
-              <a:t>FROM Income </a:t>
+              <a:t>FROM income </a:t>
             </a:r>
             <a:r>
               <a:rPr lang="en-US" sz="1800" dirty="0" err="1">
@@ -7182,7 +7230,7 @@
                   <a:srgbClr val="CCFF99"/>
                 </a:solidFill>
               </a:rPr>
-              <a:t>, Outcome o, Profit p </a:t>
+              <a:t>, outcome o, profit p </a:t>
             </a:r>
           </a:p>
           <a:p>
@@ -7301,7 +7349,23 @@
                   <a:srgbClr val="CCFF99"/>
                 </a:solidFill>
               </a:rPr>
-              <a:t>GROUP BY table;</a:t>
+              <a:t>GROUP BY </a:t>
+            </a:r>
+            <a:r>
+              <a:rPr lang="en-US" sz="1800" dirty="0" err="1">
+                <a:solidFill>
+                  <a:srgbClr val="CCFF99"/>
+                </a:solidFill>
+              </a:rPr>
+              <a:t>i.table</a:t>
+            </a:r>
+            <a:r>
+              <a:rPr lang="en-US" sz="1800" dirty="0">
+                <a:solidFill>
+                  <a:srgbClr val="CCFF99"/>
+                </a:solidFill>
+              </a:rPr>
+              <a:t>;</a:t>
             </a:r>
           </a:p>
         </p:txBody>
@@ -8698,7 +8762,7 @@
         <p:spPr>
           <a:xfrm>
             <a:off x="646111" y="452718"/>
-            <a:ext cx="9854249" cy="675042"/>
+            <a:ext cx="10429559" cy="675042"/>
           </a:xfrm>
         </p:spPr>
         <p:txBody>
@@ -8706,50 +8770,13 @@
           <a:lstStyle/>
           <a:p>
             <a:r>
-              <a:rPr lang="ru-RU" sz="2800" dirty="0">
+              <a:rPr lang="en-US" sz="2800" dirty="0">
                 <a:solidFill>
                   <a:srgbClr val="FFFF00"/>
                 </a:solidFill>
               </a:rPr>
-              <a:t>Декларативная компонента –</a:t>
-            </a:r>
-            <a:r>
-              <a:rPr lang="en-US" sz="2800" dirty="0">
-                <a:solidFill>
-                  <a:srgbClr val="FFFF00"/>
-                </a:solidFill>
-              </a:rPr>
-              <a:t> </a:t>
-            </a:r>
-            <a:r>
-              <a:rPr lang="ru-RU" sz="2800" dirty="0">
-                <a:solidFill>
-                  <a:srgbClr val="FFFF00"/>
-                </a:solidFill>
-              </a:rPr>
-              <a:t>понятия</a:t>
-            </a:r>
-            <a:r>
-              <a:rPr lang="en-US" sz="2800" dirty="0">
-                <a:solidFill>
-                  <a:srgbClr val="FFFF00"/>
-                </a:solidFill>
-              </a:rPr>
-              <a:t> </a:t>
-            </a:r>
-            <a:r>
-              <a:rPr lang="ru-RU" sz="2800" dirty="0">
-                <a:solidFill>
-                  <a:srgbClr val="FFFF00"/>
-                </a:solidFill>
-              </a:rPr>
-              <a:t>наследования</a:t>
-            </a:r>
-            <a:endParaRPr lang="en-US" sz="2800" dirty="0">
-              <a:solidFill>
-                <a:srgbClr val="FFFF00"/>
-              </a:solidFill>
-            </a:endParaRPr>
+              <a:t>Declarative component: concepts based on inheritance </a:t>
+            </a:r>
           </a:p>
         </p:txBody>
       </p:sp>
@@ -11051,34 +11078,13 @@
           <a:lstStyle/>
           <a:p>
             <a:r>
-              <a:rPr lang="ru-RU" sz="2800" dirty="0">
+              <a:rPr lang="en-US" sz="2800" dirty="0">
                 <a:solidFill>
                   <a:srgbClr val="FFFF00"/>
                 </a:solidFill>
               </a:rPr>
-              <a:t>Декларативная компонента –понятия</a:t>
-            </a:r>
-            <a:r>
-              <a:rPr lang="en-US" sz="2800" dirty="0">
-                <a:solidFill>
-                  <a:srgbClr val="FFFF00"/>
-                </a:solidFill>
-              </a:rPr>
-              <a:t> </a:t>
-            </a:r>
-            <a:r>
-              <a:rPr lang="ru-RU" sz="2800" dirty="0">
-                <a:solidFill>
-                  <a:srgbClr val="FFFF00"/>
-                </a:solidFill>
-              </a:rPr>
-              <a:t>подмножества</a:t>
-            </a:r>
-            <a:endParaRPr lang="en-US" sz="2800" dirty="0">
-              <a:solidFill>
-                <a:srgbClr val="FFFF00"/>
-              </a:solidFill>
-            </a:endParaRPr>
+              <a:t>Declarative component: subset concepts</a:t>
+            </a:r>
           </a:p>
         </p:txBody>
       </p:sp>
@@ -11723,7 +11729,7 @@
                   <a:srgbClr val="CCFF99"/>
                 </a:solidFill>
               </a:rPr>
-              <a:t>Exist (</a:t>
+              <a:t>EXIST (</a:t>
             </a:r>
             <a:r>
               <a:rPr lang="en-US" sz="1800" dirty="0" err="1">
@@ -15128,34 +15134,13 @@
           <a:lstStyle/>
           <a:p>
             <a:r>
-              <a:rPr lang="ru-RU" sz="2800" dirty="0">
+              <a:rPr lang="en-US" sz="2800" dirty="0">
                 <a:solidFill>
                   <a:srgbClr val="FFFF00"/>
                 </a:solidFill>
               </a:rPr>
-              <a:t>Декларативная компонента – понятия</a:t>
-            </a:r>
-            <a:r>
-              <a:rPr lang="en-US" sz="2800" dirty="0">
-                <a:solidFill>
-                  <a:srgbClr val="FFFF00"/>
-                </a:solidFill>
-              </a:rPr>
-              <a:t> </a:t>
-            </a:r>
-            <a:r>
-              <a:rPr lang="ru-RU" sz="2800" dirty="0">
-                <a:solidFill>
-                  <a:srgbClr val="FFFF00"/>
-                </a:solidFill>
-              </a:rPr>
-              <a:t>как функция</a:t>
-            </a:r>
-            <a:endParaRPr lang="en-US" sz="2800" dirty="0">
-              <a:solidFill>
-                <a:srgbClr val="FFFF00"/>
-              </a:solidFill>
-            </a:endParaRPr>
+              <a:t>Declarative component: concepts as a function</a:t>
+            </a:r>
           </a:p>
         </p:txBody>
       </p:sp>
@@ -15196,7 +15181,7 @@
                   <a:srgbClr val="CCFF99"/>
                 </a:solidFill>
               </a:rPr>
-              <a:t>concept </a:t>
+              <a:t>CONCEPT </a:t>
             </a:r>
             <a:r>
               <a:rPr lang="en-US" sz="1800" dirty="0" err="1">
@@ -15721,18 +15706,13 @@
           <a:lstStyle/>
           <a:p>
             <a:r>
-              <a:rPr lang="ru-RU" sz="2800" dirty="0">
+              <a:rPr lang="en-US" sz="2800" dirty="0">
                 <a:solidFill>
                   <a:srgbClr val="FFFF00"/>
                 </a:solidFill>
               </a:rPr>
-              <a:t>Декларативная компонента – рекурсивные понятия</a:t>
-            </a:r>
-            <a:endParaRPr lang="en-US" sz="2800" dirty="0">
-              <a:solidFill>
-                <a:srgbClr val="FFFF00"/>
-              </a:solidFill>
-            </a:endParaRPr>
+              <a:t>Declarative component: recursive concepts</a:t>
+            </a:r>
           </a:p>
         </p:txBody>
       </p:sp>
@@ -16162,7 +16142,7 @@
                   <a:srgbClr val="CCFF99"/>
                 </a:solidFill>
               </a:rPr>
-              <a:t> = oe.id OR Exist(</a:t>
+              <a:t> = oe.id OR EXIST(</a:t>
             </a:r>
           </a:p>
           <a:p>
@@ -16999,34 +16979,13 @@
           <a:lstStyle/>
           <a:p>
             <a:r>
-              <a:rPr lang="ru-RU" sz="2800" dirty="0">
+              <a:rPr lang="en-US" sz="2800" dirty="0">
                 <a:solidFill>
                   <a:srgbClr val="FFFF00"/>
                 </a:solidFill>
               </a:rPr>
-              <a:t>Декларативная компонента – переменные</a:t>
-            </a:r>
-            <a:r>
-              <a:rPr lang="en-US" sz="2800" dirty="0">
-                <a:solidFill>
-                  <a:srgbClr val="FFFF00"/>
-                </a:solidFill>
-              </a:rPr>
-              <a:t> </a:t>
-            </a:r>
-            <a:r>
-              <a:rPr lang="ru-RU" sz="2800" dirty="0">
-                <a:solidFill>
-                  <a:srgbClr val="FFFF00"/>
-                </a:solidFill>
-              </a:rPr>
-              <a:t>и логика высшего порядка</a:t>
-            </a:r>
-            <a:endParaRPr lang="en-US" sz="2800" dirty="0">
-              <a:solidFill>
-                <a:srgbClr val="FFFF00"/>
-              </a:solidFill>
-            </a:endParaRPr>
+              <a:t>Declarative component: variables and higher-order logic</a:t>
+            </a:r>
           </a:p>
         </p:txBody>
       </p:sp>
@@ -19933,8 +19892,12 @@
               <a:buNone/>
             </a:pPr>
             <a:r>
+              <a:rPr lang="en-US" dirty="0"/>
+              <a:t>The type system is weak, dynamic.</a:t>
+            </a:r>
+            <a:r>
               <a:rPr lang="ru-RU" dirty="0"/>
-              <a:t>Система типов – слабая, динамическая. </a:t>
+              <a:t> </a:t>
             </a:r>
             <a:endParaRPr lang="en-US" dirty="0"/>
           </a:p>
@@ -19943,8 +19906,12 @@
               <a:buNone/>
             </a:pPr>
             <a:r>
+              <a:rPr lang="en-US" dirty="0"/>
+              <a:t>Basic data types</a:t>
+            </a:r>
+            <a:r>
               <a:rPr lang="ru-RU" dirty="0"/>
-              <a:t>Основные типы данных:</a:t>
+              <a:t>:</a:t>
             </a:r>
             <a:r>
               <a:rPr lang="en-US" dirty="0"/>
@@ -19965,8 +19932,12 @@
               <a:buNone/>
             </a:pPr>
             <a:r>
+              <a:rPr lang="en-US" dirty="0"/>
+              <a:t>Composite data types</a:t>
+            </a:r>
+            <a:r>
               <a:rPr lang="ru-RU" dirty="0"/>
-              <a:t>Составные типы данных: </a:t>
+              <a:t>: </a:t>
             </a:r>
             <a:endParaRPr lang="en-US" dirty="0"/>
           </a:p>
@@ -20029,18 +20000,18 @@
               <a:buNone/>
             </a:pPr>
             <a:r>
+              <a:rPr lang="en-US" dirty="0"/>
+              <a:t>Basic operators</a:t>
+            </a:r>
+            <a:r>
               <a:rPr lang="ru-RU" dirty="0"/>
-              <a:t>Основные операторы:</a:t>
-            </a:r>
-          </a:p>
-          <a:p>
-            <a:r>
-              <a:rPr lang="ru-RU" dirty="0"/>
-              <a:t>Объявление переменной</a:t>
-            </a:r>
+              <a:t>:</a:t>
+            </a:r>
+          </a:p>
+          <a:p>
             <a:r>
               <a:rPr lang="en-US" dirty="0"/>
-              <a:t>:</a:t>
+              <a:t>Variables declaration :</a:t>
             </a:r>
             <a:r>
               <a:rPr lang="ru-RU" dirty="0"/>
@@ -20073,8 +20044,8 @@
           </a:p>
           <a:p>
             <a:r>
-              <a:rPr lang="ru-RU" dirty="0"/>
-              <a:t>Ветвление</a:t>
+              <a:rPr lang="en-US" dirty="0"/>
+              <a:t>Branching </a:t>
             </a:r>
             <a:r>
               <a:rPr lang="ru-RU" i="1" dirty="0"/>
@@ -20123,8 +20094,12 @@
           </a:p>
           <a:p>
             <a:r>
+              <a:rPr lang="en-US" dirty="0"/>
+              <a:t>Loops</a:t>
+            </a:r>
+            <a:r>
               <a:rPr lang="ru-RU" dirty="0"/>
-              <a:t>Циклы: </a:t>
+              <a:t>: </a:t>
             </a:r>
             <a:endParaRPr lang="en-US" dirty="0"/>
           </a:p>
@@ -20243,8 +20218,12 @@
           </a:p>
           <a:p>
             <a:r>
+              <a:rPr lang="en-US" dirty="0"/>
+              <a:t>Functions</a:t>
+            </a:r>
+            <a:r>
               <a:rPr lang="ru-RU" dirty="0"/>
-              <a:t>Объявление и вызов функций: </a:t>
+              <a:t>: </a:t>
             </a:r>
             <a:r>
               <a:rPr lang="en-US" dirty="0">
@@ -20300,18 +20279,13 @@
           <a:lstStyle/>
           <a:p>
             <a:r>
-              <a:rPr lang="ru-RU" sz="2800" dirty="0">
+              <a:rPr lang="en-US" sz="2800" dirty="0">
                 <a:solidFill>
                   <a:srgbClr val="FFFF00"/>
                 </a:solidFill>
               </a:rPr>
-              <a:t>Императивная компонента</a:t>
-            </a:r>
-            <a:endParaRPr lang="en-US" sz="2800" dirty="0">
-              <a:solidFill>
-                <a:srgbClr val="FFFF00"/>
-              </a:solidFill>
-            </a:endParaRPr>
+              <a:t>Imperative component</a:t>
+            </a:r>
           </a:p>
         </p:txBody>
       </p:sp>
@@ -20369,49 +20343,45 @@
         </p:spPr>
         <p:txBody>
           <a:bodyPr>
-            <a:normAutofit fontScale="77500" lnSpcReduction="20000"/>
+            <a:normAutofit/>
           </a:bodyPr>
           <a:lstStyle/>
           <a:p>
             <a:r>
+              <a:rPr lang="en-US" dirty="0"/>
+              <a:t>The imperative component includes operators for the solving of the concept (finding the corresponding objects): </a:t>
+            </a:r>
+            <a:r>
+              <a:rPr lang="en-US" i="1" dirty="0">
+                <a:solidFill>
+                  <a:srgbClr val="CCFF99"/>
+                </a:solidFill>
+              </a:rPr>
+              <a:t>find </a:t>
+            </a:r>
+            <a:r>
+              <a:rPr lang="en-US" i="1" dirty="0" err="1">
+                <a:solidFill>
+                  <a:srgbClr val="CCFF99"/>
+                </a:solidFill>
+              </a:rPr>
+              <a:t>conceptname</a:t>
+            </a:r>
+            <a:r>
+              <a:rPr lang="en-US" i="1" dirty="0">
+                <a:solidFill>
+                  <a:srgbClr val="CCFF99"/>
+                </a:solidFill>
+              </a:rPr>
+              <a:t> {attribute: value, …}</a:t>
+            </a:r>
+            <a:r>
+              <a:rPr lang="en-US" dirty="0"/>
+              <a:t>. The result is a list of objects. It can be assigned to a variable, used as an argument of a function or component of an expression</a:t>
+            </a:r>
+            <a:r>
               <a:rPr lang="ru-RU" dirty="0"/>
-              <a:t>Императивная компонента включает в себя операторы для решения понятия (нахождения соответствующих объектов)</a:t>
-            </a:r>
-            <a:r>
-              <a:rPr lang="en-US" dirty="0"/>
-              <a:t> – </a:t>
-            </a:r>
-            <a:r>
-              <a:rPr lang="en-US" i="1" dirty="0">
-                <a:solidFill>
-                  <a:srgbClr val="CCFF99"/>
-                </a:solidFill>
-              </a:rPr>
-              <a:t>find </a:t>
-            </a:r>
-            <a:r>
-              <a:rPr lang="en-US" i="1" dirty="0" err="1">
-                <a:solidFill>
-                  <a:srgbClr val="CCFF99"/>
-                </a:solidFill>
-              </a:rPr>
-              <a:t>conceptname</a:t>
-            </a:r>
-            <a:r>
-              <a:rPr lang="en-US" i="1" dirty="0">
-                <a:solidFill>
-                  <a:srgbClr val="CCFF99"/>
-                </a:solidFill>
-              </a:rPr>
-              <a:t> {attribute: value, …}</a:t>
-            </a:r>
-            <a:r>
-              <a:rPr lang="en-US" dirty="0"/>
-              <a:t>. </a:t>
-            </a:r>
-            <a:r>
-              <a:rPr lang="ru-RU" dirty="0"/>
-              <a:t>Результатом является список объектов. Его можно, наппример, поместить в переменную,использовать в качестве аргумента функции или составной части выражения:</a:t>
+              <a:t>:</a:t>
             </a:r>
           </a:p>
           <a:p>
@@ -20451,9 +20421,10 @@
           </a:p>
           <a:p>
             <a:r>
-              <a:rPr lang="ru-RU" dirty="0"/>
-              <a:t>Объявления декларативных элементов языка (объектов и понятий) включают в себя арифметические и логические выражения, в которые могут входить переменные и вызовы функций, созданные с помощью императивного подхода:</a:t>
-            </a:r>
+              <a:rPr lang="en-US" dirty="0"/>
+              <a:t>Declarative components definitions (objects and concepts) include arithmetic and logical expressions, which can include variables and function calls created in imperative way:</a:t>
+            </a:r>
+            <a:endParaRPr lang="ru-RU" dirty="0"/>
           </a:p>
           <a:p>
             <a:pPr marL="0" indent="0">
@@ -20491,7 +20462,7 @@
                   <a:srgbClr val="CCFF99"/>
                 </a:solidFill>
               </a:rPr>
-              <a:t>         object category</a:t>
+              <a:t>         products = find product {type: category};</a:t>
             </a:r>
           </a:p>
           <a:p>
@@ -20504,7 +20475,39 @@
                   <a:srgbClr val="CCFF99"/>
                 </a:solidFill>
               </a:rPr>
-              <a:t>         products = find product {type: category};</a:t>
+              <a:t>         OBJECT </a:t>
+            </a:r>
+            <a:r>
+              <a:rPr lang="en-US" dirty="0" err="1">
+                <a:solidFill>
+                  <a:srgbClr val="CCFF99"/>
+                </a:solidFill>
+              </a:rPr>
+              <a:t>productCategory</a:t>
+            </a:r>
+            <a:r>
+              <a:rPr lang="en-US" dirty="0">
+                <a:solidFill>
+                  <a:srgbClr val="CCFF99"/>
+                </a:solidFill>
+              </a:rPr>
+              <a:t> {name: category, </a:t>
+            </a:r>
+            <a:r>
+              <a:rPr lang="en-US" dirty="0" err="1">
+                <a:solidFill>
+                  <a:srgbClr val="CCFF99"/>
+                </a:solidFill>
+              </a:rPr>
+              <a:t>productList</a:t>
+            </a:r>
+            <a:r>
+              <a:rPr lang="en-US" dirty="0">
+                <a:solidFill>
+                  <a:srgbClr val="CCFF99"/>
+                </a:solidFill>
+              </a:rPr>
+              <a:t>: products};</a:t>
             </a:r>
           </a:p>
           <a:p>
@@ -20517,89 +20520,14 @@
                   <a:srgbClr val="CCFF99"/>
                 </a:solidFill>
               </a:rPr>
-              <a:t>         object </a:t>
-            </a:r>
-            <a:r>
-              <a:rPr lang="en-US" dirty="0" err="1">
-                <a:solidFill>
-                  <a:srgbClr val="CCFF99"/>
-                </a:solidFill>
-              </a:rPr>
-              <a:t>productCategory</a:t>
-            </a:r>
-            <a:r>
-              <a:rPr lang="en-US" dirty="0">
-                <a:solidFill>
-                  <a:srgbClr val="CCFF99"/>
-                </a:solidFill>
-              </a:rPr>
-              <a:t> {name: category, </a:t>
-            </a:r>
-            <a:r>
-              <a:rPr lang="en-US" dirty="0" err="1">
-                <a:solidFill>
-                  <a:srgbClr val="CCFF99"/>
-                </a:solidFill>
-              </a:rPr>
-              <a:t>productList</a:t>
-            </a:r>
-            <a:r>
-              <a:rPr lang="en-US" dirty="0">
-                <a:solidFill>
-                  <a:srgbClr val="CCFF99"/>
-                </a:solidFill>
-              </a:rPr>
-              <a:t>: products};</a:t>
-            </a:r>
-          </a:p>
-          <a:p>
-            <a:pPr marL="0" indent="0">
-              <a:buNone/>
-            </a:pPr>
-            <a:r>
-              <a:rPr lang="en-US" dirty="0">
-                <a:solidFill>
-                  <a:srgbClr val="CCFF99"/>
-                </a:solidFill>
-              </a:rPr>
               <a:t>     }</a:t>
             </a:r>
           </a:p>
           <a:p>
             <a:r>
-              <a:rPr lang="ru-RU" sz="2100" dirty="0"/>
-              <a:t>Также понятие как функция, описанное в императивном стиле, может быть исходным элементом при создании других понятий, описанных в декларативном стиле.</a:t>
-            </a:r>
-          </a:p>
-          <a:p>
-            <a:r>
-              <a:rPr lang="ru-RU" sz="2100" dirty="0"/>
-              <a:t>Программа состоит как из декларативных так и императивных операторов, исполняемых в порядке их следования. Исполнение декларативных операторов меняет состояние базы знаний, добавляя в нее объекты и понятия. Поэтому императивный оператор </a:t>
-            </a:r>
-            <a:r>
-              <a:rPr lang="en-US" sz="2400" i="1" dirty="0">
-                <a:solidFill>
-                  <a:srgbClr val="CCFF99"/>
-                </a:solidFill>
-              </a:rPr>
-              <a:t>find</a:t>
-            </a:r>
-            <a:r>
-              <a:rPr lang="ru-RU" sz="2400" i="1" dirty="0"/>
-              <a:t>,</a:t>
-            </a:r>
-            <a:r>
-              <a:rPr lang="ru-RU" sz="2100" dirty="0"/>
-              <a:t> выполняющий запрос к базе знаний,   к содержимому базы знаний на момент его вызова.</a:t>
-            </a:r>
-          </a:p>
-          <a:p>
-            <a:endParaRPr lang="ru-RU" sz="2100" dirty="0"/>
-          </a:p>
-          <a:p>
-            <a:pPr marL="0" indent="0">
-              <a:buNone/>
-            </a:pPr>
+              <a:rPr lang="en-US" sz="2100" dirty="0"/>
+              <a:t>Also, the concept as a function described in the imperative way can used as parent concept for other concepts described in the declarative way</a:t>
+            </a:r>
             <a:endParaRPr lang="ru-RU" dirty="0"/>
           </a:p>
         </p:txBody>
@@ -20631,18 +20559,13 @@
           <a:lstStyle/>
           <a:p>
             <a:r>
-              <a:rPr lang="ru-RU" sz="2800" dirty="0">
+              <a:rPr lang="en-US" sz="2800" dirty="0">
                 <a:solidFill>
                   <a:srgbClr val="FFFF00"/>
                 </a:solidFill>
               </a:rPr>
-              <a:t>Интеграция декларативной и императивной компонент</a:t>
-            </a:r>
-            <a:endParaRPr lang="en-US" sz="2800" dirty="0">
-              <a:solidFill>
-                <a:srgbClr val="FFFF00"/>
-              </a:solidFill>
-            </a:endParaRPr>
+              <a:t>Integration of the declarative and imperative components</a:t>
+            </a:r>
           </a:p>
         </p:txBody>
       </p:sp>
@@ -20703,18 +20626,13 @@
           <a:lstStyle/>
           <a:p>
             <a:r>
-              <a:rPr lang="ru-RU" sz="2800" dirty="0">
+              <a:rPr lang="en-US" sz="2800" dirty="0">
                 <a:solidFill>
                   <a:srgbClr val="FFFF00"/>
                 </a:solidFill>
               </a:rPr>
-              <a:t>Особенности базы знаний</a:t>
-            </a:r>
-            <a:endParaRPr lang="en-US" sz="2800" dirty="0">
-              <a:solidFill>
-                <a:srgbClr val="FFFF00"/>
-              </a:solidFill>
-            </a:endParaRPr>
+              <a:t>Knowledge base features</a:t>
+            </a:r>
           </a:p>
         </p:txBody>
       </p:sp>
@@ -20747,36 +20665,42 @@
           <a:lstStyle/>
           <a:p>
             <a:r>
+              <a:rPr lang="en-US" dirty="0"/>
+              <a:t>The language includes a built-in knowledge base that allows to organize storage and access to objects and concepts</a:t>
+            </a:r>
+            <a:endParaRPr lang="ru-RU" dirty="0"/>
+          </a:p>
+          <a:p>
+            <a:r>
+              <a:rPr lang="en-US" dirty="0"/>
+              <a:t>Declarative objects and concepts definitions change the state of the knowledge base</a:t>
+            </a:r>
+            <a:endParaRPr lang="ru-RU" dirty="0"/>
+          </a:p>
+          <a:p>
+            <a:r>
+              <a:rPr lang="en-US" i="1" dirty="0">
+                <a:solidFill>
+                  <a:srgbClr val="CCFF99"/>
+                </a:solidFill>
+              </a:rPr>
+              <a:t>find</a:t>
+            </a:r>
+            <a:r>
               <a:rPr lang="ru-RU" dirty="0"/>
-              <a:t>Язык включает в себя встроенную базу знаний, позволяющую организовать хранение и доступ к объектам и понятиям.</a:t>
-            </a:r>
-          </a:p>
-          <a:p>
+              <a:t> </a:t>
+            </a:r>
+            <a:r>
+              <a:rPr lang="en-US" dirty="0"/>
+              <a:t>statement performs a query on the knowledge base</a:t>
+            </a:r>
             <a:r>
               <a:rPr lang="ru-RU" dirty="0"/>
-              <a:t>Декларативные операторы объявления объектов и понятий меняют состояние базы знаний.</a:t>
-            </a:r>
-          </a:p>
-          <a:p>
-            <a:r>
-              <a:rPr lang="ru-RU" dirty="0"/>
-              <a:t>Оператор </a:t>
-            </a:r>
-            <a:r>
-              <a:rPr lang="en-US" i="1" dirty="0">
-                <a:solidFill>
-                  <a:srgbClr val="CCFF99"/>
-                </a:solidFill>
-              </a:rPr>
-              <a:t>find</a:t>
-            </a:r>
-            <a:r>
-              <a:rPr lang="ru-RU" dirty="0"/>
-              <a:t> выполняет запрос к базе знаний в том ее состоянии, которое будет на момент его вызова. Т.е. объекты и понятия, добавленные позднее, учитываться не будут</a:t>
+              <a:t>.</a:t>
             </a:r>
             <a:r>
               <a:rPr lang="en-US" dirty="0"/>
-              <a:t>:</a:t>
+              <a:t> Only objects and concepts added at the time of its call are processed. The ones added later are not taken into account:</a:t>
             </a:r>
             <a:r>
               <a:rPr lang="ru-RU" dirty="0"/>
@@ -20843,12 +20767,8 @@
           </a:p>
           <a:p>
             <a:r>
-              <a:rPr lang="ru-RU" dirty="0"/>
-              <a:t>В то же время порядок объявляения объектов и понятий значения не имеет. Т.е. можно сначала объявить производное понятие, а затем понятия, из которых оно состоит</a:t>
-            </a:r>
-            <a:r>
               <a:rPr lang="en-US" dirty="0"/>
-              <a:t>:</a:t>
+              <a:t>At the same time, the order of declaring objects and concepts does not matter. Thus, one can declare a derived concept first, and then the concepts from which it consists:</a:t>
             </a:r>
           </a:p>
           <a:p>
@@ -20869,7 +20789,7 @@
                   <a:srgbClr val="CCFF99"/>
                 </a:solidFill>
               </a:rPr>
-              <a:t>finacialResults</a:t>
+              <a:t>financialResults</a:t>
             </a:r>
             <a:r>
               <a:rPr lang="en-US" i="1" dirty="0">
@@ -21210,11 +21130,11 @@
             </a:pPr>
             <a:r>
               <a:rPr lang="en-US" dirty="0"/>
-              <a:t>Robotic Process Automation (RPA, Robotics) – </a:t>
+              <a:t>Robotic Process Automation (RPA, Robotics) –  is the application of technology that allows to configure computer software or a “robot” to capture and interpret existing applications for processing a transaction, manipulating data, triggering responses and communicating with other digital systems</a:t>
             </a:r>
             <a:r>
               <a:rPr lang="ru-RU" dirty="0"/>
-              <a:t>это технология, позволяющая организациям конфигурировать программное обеспечение (программных роботов) на исполнение повторяемых, механических операций на уровне пользовательского интерфейса. </a:t>
+              <a:t>. </a:t>
             </a:r>
             <a:endParaRPr lang="en-US" dirty="0"/>
           </a:p>
@@ -21476,20 +21396,15 @@
           </a:lstStyle>
           <a:p>
             <a:pPr marL="0" indent="0" algn="just">
-              <a:buFont typeface="Wingdings 3" charset="2"/>
               <a:buNone/>
             </a:pPr>
             <a:r>
+              <a:rPr lang="en-US" dirty="0"/>
+              <a:t>The most famous RPA vendors </a:t>
+            </a:r>
+            <a:r>
               <a:rPr lang="ru-RU" dirty="0"/>
-              <a:t>Наиболее известные </a:t>
-            </a:r>
-            <a:r>
-              <a:rPr lang="en-US" dirty="0"/>
-              <a:t>RPA </a:t>
-            </a:r>
-            <a:r>
-              <a:rPr lang="ru-RU" dirty="0"/>
-              <a:t>вендоры:</a:t>
+              <a:t>:</a:t>
             </a:r>
           </a:p>
           <a:p>
@@ -21580,18 +21495,12 @@
               </a:rPr>
               <a:t>UiPath</a:t>
             </a:r>
-            <a:r>
-              <a:rPr lang="en-US" baseline="30000" dirty="0">
-                <a:hlinkClick r:id="rId12"/>
-              </a:rPr>
-              <a:t>[10]</a:t>
-            </a:r>
             <a:endParaRPr lang="en-US" dirty="0"/>
           </a:p>
           <a:p>
             <a:r>
               <a:rPr lang="en-US" dirty="0">
-                <a:hlinkClick r:id="rId13" tooltip="Verint"/>
+                <a:hlinkClick r:id="rId12" tooltip="Verint"/>
               </a:rPr>
               <a:t>Verint</a:t>
             </a:r>
@@ -21623,7 +21532,7 @@
         <p:spPr>
           <a:xfrm>
             <a:off x="4855464" y="2450592"/>
-            <a:ext cx="6437376" cy="3844028"/>
+            <a:ext cx="6437376" cy="3994170"/>
           </a:xfrm>
           <a:prstGeom prst="rect">
             <a:avLst/>
@@ -21865,51 +21774,70 @@
               <a:buNone/>
             </a:pPr>
             <a:r>
+              <a:rPr lang="en-US" dirty="0"/>
+              <a:t>Key benefits</a:t>
+            </a:r>
+            <a:r>
               <a:rPr lang="ru-RU" dirty="0"/>
-              <a:t>Ключевые преимущества RPA:</a:t>
+              <a:t>:</a:t>
             </a:r>
           </a:p>
           <a:p>
             <a:pPr algn="just" fontAlgn="base"/>
             <a:r>
+              <a:rPr lang="en-US" dirty="0"/>
+              <a:t>Software robots are faster than people and do not make mistakes</a:t>
+            </a:r>
+          </a:p>
+          <a:p>
+            <a:pPr algn="just" fontAlgn="base"/>
+            <a:r>
+              <a:rPr lang="en-US" dirty="0"/>
+              <a:t>Software robots are available for round-the-clock task execution</a:t>
+            </a:r>
+            <a:endParaRPr lang="ru-RU" dirty="0"/>
+          </a:p>
+          <a:p>
+            <a:pPr algn="just" fontAlgn="base"/>
+            <a:r>
+              <a:rPr lang="en-US" dirty="0"/>
+              <a:t>Software robots allow businesses to free up human resources and reduce operating costs</a:t>
+            </a:r>
+            <a:endParaRPr lang="ru-RU" dirty="0"/>
+          </a:p>
+          <a:p>
+            <a:pPr algn="just" fontAlgn="base"/>
+            <a:r>
+              <a:rPr lang="en-US" dirty="0"/>
+              <a:t>Software robots work with existing systems, applications, including outdated (legacy) ones and do not change the organization's IT landscape</a:t>
+            </a:r>
+            <a:endParaRPr lang="ru-RU" dirty="0"/>
+          </a:p>
+          <a:p>
+            <a:pPr algn="just" fontAlgn="base"/>
+            <a:r>
               <a:rPr lang="ru-RU" dirty="0"/>
-              <a:t>программные роботы работают быстрее чем люди и не делают ошибок</a:t>
+              <a:t>Е</a:t>
+            </a:r>
+            <a:r>
+              <a:rPr lang="en-US" dirty="0"/>
+              <a:t>he results of the work of software robots are much easier to control and log, audit and reporting for security and compliance purposes</a:t>
+            </a:r>
+            <a:r>
+              <a:rPr lang="ru-RU" dirty="0"/>
+              <a:t> </a:t>
+            </a:r>
+            <a:r>
+              <a:rPr lang="en-US" dirty="0"/>
+              <a:t>are much simpler</a:t>
             </a:r>
           </a:p>
           <a:p>
             <a:pPr algn="just" fontAlgn="base"/>
             <a:r>
-              <a:rPr lang="ru-RU" dirty="0"/>
-              <a:t>программные роботы доступны для выполнения задач 24/7 (непрерывная обработка)</a:t>
-            </a:r>
-          </a:p>
-          <a:p>
-            <a:pPr algn="just" fontAlgn="base"/>
-            <a:r>
-              <a:rPr lang="ru-RU" dirty="0"/>
-              <a:t>программные роботы позволяют бизнесу высвободить человеческий ресурс, сокращая 50–70 % операционных затрат и оказывая прямое позитивное воздействие на P&amp;L (быстрая окупаемость)</a:t>
-            </a:r>
-          </a:p>
-          <a:p>
-            <a:pPr algn="just" fontAlgn="base"/>
-            <a:r>
-              <a:rPr lang="ru-RU" dirty="0"/>
-              <a:t>программные роботы работают с существующими системами, приложениями, в том числе и устаревшими (legacy) и не изменяют ИТ ландшафт</a:t>
-            </a:r>
-          </a:p>
-          <a:p>
-            <a:pPr algn="just" fontAlgn="base"/>
-            <a:r>
-              <a:rPr lang="ru-RU" dirty="0"/>
-              <a:t>программные роботы предоставляют 100% полный лог своих действий и позволяют гибко контролировать операционную продуктивность</a:t>
-            </a:r>
-          </a:p>
-          <a:p>
-            <a:pPr marL="0" indent="0" algn="just">
-              <a:buFont typeface="Wingdings 3" charset="2"/>
-              <a:buNone/>
-            </a:pPr>
-            <a:endParaRPr lang="en-US" dirty="0"/>
+              <a:rPr lang="en-US" dirty="0"/>
+              <a:t>The tasks / processes performed by software robots are much more easily scaled and replicated between business units and geographies</a:t>
+            </a:r>
           </a:p>
         </p:txBody>
       </p:sp>
@@ -21972,26 +21900,145 @@
           <a:lstStyle/>
           <a:p>
             <a:r>
+              <a:rPr lang="en-US" dirty="0"/>
+              <a:t>The content of the knowledge base depends on the scope. Objects and concepts declared within a function will not be visible beyond its limits. This allows to make the code more reliable and predictable, since the functions will not have side effects in terms of impact on the knowledge base:</a:t>
+            </a:r>
+          </a:p>
+          <a:p>
+            <a:pPr marL="0" indent="0">
+              <a:buNone/>
+            </a:pPr>
+            <a:r>
+              <a:rPr lang="en-US" i="1" dirty="0">
+                <a:solidFill>
+                  <a:srgbClr val="CCFF99"/>
+                </a:solidFill>
+              </a:rPr>
+              <a:t>     function </a:t>
+            </a:r>
+            <a:r>
+              <a:rPr lang="en-US" i="1" dirty="0" err="1">
+                <a:solidFill>
+                  <a:srgbClr val="CCFF99"/>
+                </a:solidFill>
+              </a:rPr>
+              <a:t>doSomething</a:t>
+            </a:r>
+            <a:r>
+              <a:rPr lang="en-US" i="1" dirty="0">
+                <a:solidFill>
+                  <a:srgbClr val="CCFF99"/>
+                </a:solidFill>
+              </a:rPr>
+              <a:t>() { OBJECT digit {value: 1} ;}</a:t>
+            </a:r>
+          </a:p>
+          <a:p>
+            <a:pPr marL="0" indent="0">
+              <a:buNone/>
+            </a:pPr>
+            <a:r>
+              <a:rPr lang="en-US" i="1" dirty="0">
+                <a:solidFill>
+                  <a:srgbClr val="CCFF99"/>
+                </a:solidFill>
+              </a:rPr>
+              <a:t>     </a:t>
+            </a:r>
+            <a:r>
+              <a:rPr lang="en-US" i="1" dirty="0" err="1">
+                <a:solidFill>
+                  <a:srgbClr val="CCFF99"/>
+                </a:solidFill>
+              </a:rPr>
+              <a:t>doSomething</a:t>
+            </a:r>
+            <a:r>
+              <a:rPr lang="en-US" i="1" dirty="0">
+                <a:solidFill>
+                  <a:srgbClr val="CCFF99"/>
+                </a:solidFill>
+              </a:rPr>
+              <a:t>();</a:t>
+            </a:r>
+          </a:p>
+          <a:p>
+            <a:pPr marL="0" indent="0">
+              <a:buNone/>
+            </a:pPr>
+            <a:r>
+              <a:rPr lang="en-US" i="1" dirty="0">
+                <a:solidFill>
+                  <a:srgbClr val="CCFF99"/>
+                </a:solidFill>
+              </a:rPr>
+              <a:t>     OBJECT digit {value: 2};</a:t>
+            </a:r>
+          </a:p>
+          <a:p>
+            <a:pPr marL="0" indent="0">
+              <a:buNone/>
+            </a:pPr>
+            <a:r>
+              <a:rPr lang="en-US" i="1" dirty="0">
+                <a:solidFill>
+                  <a:srgbClr val="CCFF99"/>
+                </a:solidFill>
+              </a:rPr>
+              <a:t>     digits = find digit {}; // [digit{value: 2}]</a:t>
+            </a:r>
+          </a:p>
+          <a:p>
+            <a:r>
+              <a:rPr lang="en-US" dirty="0"/>
+              <a:t>Objects and concepts can be declared in a separate file and loaded by </a:t>
+            </a:r>
+            <a:r>
+              <a:rPr lang="en-US" i="1" dirty="0">
+                <a:solidFill>
+                  <a:srgbClr val="CCFF99"/>
+                </a:solidFill>
+              </a:rPr>
+              <a:t>include </a:t>
+            </a:r>
+            <a:r>
+              <a:rPr lang="en-US" dirty="0"/>
+              <a:t>or</a:t>
+            </a:r>
+            <a:r>
               <a:rPr lang="ru-RU" dirty="0"/>
-              <a:t>Содержимое базы знаний зависит от области видимости. Объекты и понятия, объявленные внутри функции не будут видны за ее пределами</a:t>
+              <a:t> </a:t>
+            </a:r>
+            <a:r>
+              <a:rPr lang="en-US" i="1" dirty="0">
+                <a:solidFill>
+                  <a:srgbClr val="CCFF99"/>
+                </a:solidFill>
+              </a:rPr>
+              <a:t>require </a:t>
             </a:r>
             <a:r>
               <a:rPr lang="en-US" dirty="0"/>
-              <a:t>. </a:t>
+              <a:t>statements</a:t>
+            </a:r>
+          </a:p>
+          <a:p>
+            <a:r>
+              <a:rPr lang="en-US" dirty="0"/>
+              <a:t>Also, the list of objects can be prepared inside the function and returned as a result. After that the list of objects can be added to the knowledge base by single </a:t>
+            </a:r>
+            <a:r>
+              <a:rPr lang="en-US" dirty="0" err="1"/>
+              <a:t>satement</a:t>
+            </a:r>
+            <a:r>
+              <a:rPr lang="en-US" dirty="0"/>
+              <a:t> </a:t>
             </a:r>
             <a:r>
               <a:rPr lang="ru-RU" dirty="0"/>
-              <a:t>Это позволяет сделать код более надежным и предсказуемым, так как функции не </a:t>
-            </a:r>
-            <a:r>
-              <a:rPr lang="en-US" dirty="0"/>
-              <a:t>   </a:t>
-            </a:r>
-            <a:r>
-              <a:rPr lang="ru-RU" dirty="0"/>
-              <a:t>будут иметь побочных эффектов в плане влияния на базу знаний:</a:t>
-            </a:r>
-            <a:endParaRPr lang="en-US" dirty="0"/>
+              <a:t>:</a:t>
+            </a:r>
           </a:p>
           <a:p>
             <a:pPr marL="0" indent="0">
@@ -22003,7 +22050,7 @@
                   <a:srgbClr val="CCFF99"/>
                 </a:solidFill>
               </a:rPr>
-              <a:t>     function </a:t>
+              <a:t>       function </a:t>
             </a:r>
             <a:r>
               <a:rPr lang="en-US" i="1" dirty="0" err="1">
@@ -22011,7 +22058,7 @@
                   <a:srgbClr val="CCFF99"/>
                 </a:solidFill>
               </a:rPr>
-              <a:t>doSomething</a:t>
+              <a:t>prepareNumberObjects</a:t>
             </a:r>
             <a:r>
               <a:rPr lang="en-US" i="1" dirty="0">
@@ -22019,7 +22066,7 @@
                   <a:srgbClr val="CCFF99"/>
                 </a:solidFill>
               </a:rPr>
-              <a:t>() { OBJECT digit {value: 1} ;}</a:t>
+              <a:t>() {</a:t>
             </a:r>
           </a:p>
           <a:p>
@@ -22032,23 +22079,20 @@
                   <a:srgbClr val="CCFF99"/>
                 </a:solidFill>
               </a:rPr>
-              <a:t>     </a:t>
-            </a:r>
-            <a:r>
-              <a:rPr lang="en-US" i="1" dirty="0" err="1">
-                <a:solidFill>
-                  <a:srgbClr val="CCFF99"/>
-                </a:solidFill>
-              </a:rPr>
-              <a:t>doSomething</a:t>
-            </a:r>
+              <a:t>           return [number{value:1}, number{value:2}, number{value:3}];</a:t>
+            </a:r>
+          </a:p>
+          <a:p>
+            <a:pPr marL="0" indent="0">
+              <a:buNone/>
+            </a:pPr>
             <a:r>
               <a:rPr lang="en-US" i="1" dirty="0">
                 <a:solidFill>
                   <a:srgbClr val="CCFF99"/>
                 </a:solidFill>
               </a:rPr>
-              <a:t>();</a:t>
+              <a:t>       }</a:t>
             </a:r>
           </a:p>
           <a:p>
@@ -22061,120 +22105,7 @@
                   <a:srgbClr val="CCFF99"/>
                 </a:solidFill>
               </a:rPr>
-              <a:t>     OBJECT digit {value: 2};</a:t>
-            </a:r>
-          </a:p>
-          <a:p>
-            <a:pPr marL="0" indent="0">
-              <a:buNone/>
-            </a:pPr>
-            <a:r>
-              <a:rPr lang="en-US" i="1" dirty="0">
-                <a:solidFill>
-                  <a:srgbClr val="CCFF99"/>
-                </a:solidFill>
-              </a:rPr>
-              <a:t>     digits = find digit {}; // [digit{value: 2}]</a:t>
-            </a:r>
-          </a:p>
-          <a:p>
-            <a:r>
-              <a:rPr lang="ru-RU" dirty="0"/>
-              <a:t>Объекты и понятия могут быть объявлены в отдельном файле и загружены командами </a:t>
-            </a:r>
-            <a:r>
-              <a:rPr lang="en-US" i="1" dirty="0">
-                <a:solidFill>
-                  <a:srgbClr val="CCFF99"/>
-                </a:solidFill>
-              </a:rPr>
-              <a:t>include </a:t>
-            </a:r>
-            <a:r>
-              <a:rPr lang="ru-RU" dirty="0"/>
-              <a:t>или </a:t>
-            </a:r>
-            <a:r>
-              <a:rPr lang="en-US" i="1" dirty="0">
-                <a:solidFill>
-                  <a:srgbClr val="CCFF99"/>
-                </a:solidFill>
-              </a:rPr>
-              <a:t>require</a:t>
-            </a:r>
-          </a:p>
-          <a:p>
-            <a:r>
-              <a:rPr lang="ru-RU" dirty="0"/>
-              <a:t>Так же список объектов можно подготовить внутри функции и вернуть его в качестве результата. Далее список объектов может быть добавлен в БЗ одной коммандой:</a:t>
-            </a:r>
-          </a:p>
-          <a:p>
-            <a:pPr marL="0" indent="0">
-              <a:buNone/>
-            </a:pPr>
-            <a:r>
-              <a:rPr lang="en-US" i="1" dirty="0">
-                <a:solidFill>
-                  <a:srgbClr val="CCFF99"/>
-                </a:solidFill>
-              </a:rPr>
-              <a:t>       function </a:t>
-            </a:r>
-            <a:r>
-              <a:rPr lang="en-US" i="1" dirty="0" err="1">
-                <a:solidFill>
-                  <a:srgbClr val="CCFF99"/>
-                </a:solidFill>
-              </a:rPr>
-              <a:t>prepareNumberObjects</a:t>
-            </a:r>
-            <a:r>
-              <a:rPr lang="en-US" i="1" dirty="0">
-                <a:solidFill>
-                  <a:srgbClr val="CCFF99"/>
-                </a:solidFill>
-              </a:rPr>
-              <a:t>() {</a:t>
-            </a:r>
-          </a:p>
-          <a:p>
-            <a:pPr marL="0" indent="0">
-              <a:buNone/>
-            </a:pPr>
-            <a:r>
-              <a:rPr lang="en-US" i="1" dirty="0">
-                <a:solidFill>
-                  <a:srgbClr val="CCFF99"/>
-                </a:solidFill>
-              </a:rPr>
-              <a:t>           return [number{value:1}, number{value:2}, number{value:3}];</a:t>
-            </a:r>
-          </a:p>
-          <a:p>
-            <a:pPr marL="0" indent="0">
-              <a:buNone/>
-            </a:pPr>
-            <a:r>
-              <a:rPr lang="en-US" i="1" dirty="0">
-                <a:solidFill>
-                  <a:srgbClr val="CCFF99"/>
-                </a:solidFill>
-              </a:rPr>
-              <a:t>       }</a:t>
-            </a:r>
-          </a:p>
-          <a:p>
-            <a:pPr marL="0" indent="0">
-              <a:buNone/>
-            </a:pPr>
-            <a:r>
-              <a:rPr lang="en-US" i="1" dirty="0">
-                <a:solidFill>
-                  <a:srgbClr val="CCFF99"/>
-                </a:solidFill>
-              </a:rPr>
-              <a:t>      objects </a:t>
+              <a:t>      OBJECTS </a:t>
             </a:r>
             <a:r>
               <a:rPr lang="en-US" i="1" dirty="0" err="1">
@@ -22223,18 +22154,13 @@
           <a:lstStyle/>
           <a:p>
             <a:r>
-              <a:rPr lang="ru-RU" sz="2800" dirty="0">
+              <a:rPr lang="en-US" sz="2800" dirty="0">
                 <a:solidFill>
                   <a:srgbClr val="FFFF00"/>
                 </a:solidFill>
               </a:rPr>
-              <a:t>Область видимости понятий и объектов</a:t>
-            </a:r>
-            <a:endParaRPr lang="en-US" sz="2800" dirty="0">
-              <a:solidFill>
-                <a:srgbClr val="FFFF00"/>
-              </a:solidFill>
-            </a:endParaRPr>
+              <a:t>The scope of concepts and objects</a:t>
+            </a:r>
           </a:p>
         </p:txBody>
       </p:sp>
@@ -22295,34 +22221,13 @@
           <a:lstStyle/>
           <a:p>
             <a:r>
-              <a:rPr lang="ru-RU" sz="2800" dirty="0">
+              <a:rPr lang="en-US" sz="2800" dirty="0">
                 <a:solidFill>
                   <a:srgbClr val="FFFF00"/>
                 </a:solidFill>
               </a:rPr>
-              <a:t>Примеры использования – работа с </a:t>
-            </a:r>
-            <a:r>
-              <a:rPr lang="en-US" sz="2800" dirty="0">
-                <a:solidFill>
-                  <a:srgbClr val="FFFF00"/>
-                </a:solidFill>
-              </a:rPr>
-              <a:t>CSV </a:t>
-            </a:r>
-            <a:r>
-              <a:rPr lang="ru-RU" sz="2800" dirty="0">
-                <a:solidFill>
-                  <a:srgbClr val="FFFF00"/>
-                </a:solidFill>
-              </a:rPr>
-              <a:t>файлами</a:t>
-            </a:r>
-            <a:endParaRPr lang="en-US" sz="2800" dirty="0">
-              <a:solidFill>
-                <a:srgbClr val="FFFF00"/>
-              </a:solidFill>
-            </a:endParaRPr>
+              <a:t>Usage examples: CSV files processing</a:t>
+            </a:r>
           </a:p>
         </p:txBody>
       </p:sp>
@@ -22363,7 +22268,7 @@
                   <a:srgbClr val="CCFF99"/>
                 </a:solidFill>
               </a:rPr>
-              <a:t>objects </a:t>
+              <a:t>OBJECPTS </a:t>
             </a:r>
             <a:r>
               <a:rPr lang="en-US" sz="1600" i="1" dirty="0" err="1">
@@ -22707,7 +22612,7 @@
                   <a:srgbClr val="CCFF99"/>
                 </a:solidFill>
               </a:rPr>
-              <a:t>	income = </a:t>
+              <a:t>	income = sum(</a:t>
             </a:r>
             <a:r>
               <a:rPr lang="en-US" sz="1600" i="1" dirty="0" err="1">
@@ -22715,7 +22620,7 @@
                   <a:srgbClr val="CCFF99"/>
                 </a:solidFill>
               </a:rPr>
-              <a:t>Grouping.sum</a:t>
+              <a:t>i.value</a:t>
             </a:r>
             <a:r>
               <a:rPr lang="en-US" sz="1600" i="1" dirty="0">
@@ -22723,7 +22628,20 @@
                   <a:srgbClr val="CCFF99"/>
                 </a:solidFill>
               </a:rPr>
-              <a:t>(</a:t>
+              <a:t>),</a:t>
+            </a:r>
+          </a:p>
+          <a:p>
+            <a:pPr marL="0" indent="0">
+              <a:buNone/>
+            </a:pPr>
+            <a:r>
+              <a:rPr lang="en-US" sz="1600" i="1" dirty="0">
+                <a:solidFill>
+                  <a:srgbClr val="CCFF99"/>
+                </a:solidFill>
+              </a:rPr>
+              <a:t>	outcome = sum(</a:t>
             </a:r>
             <a:r>
               <a:rPr lang="en-US" sz="1600" i="1" dirty="0" err="1">
@@ -22731,7 +22649,7 @@
                   <a:srgbClr val="CCFF99"/>
                 </a:solidFill>
               </a:rPr>
-              <a:t>i.value</a:t>
+              <a:t>o.value</a:t>
             </a:r>
             <a:r>
               <a:rPr lang="en-US" sz="1600" i="1" dirty="0">
@@ -22752,68 +22670,7 @@
                   <a:srgbClr val="CCFF99"/>
                 </a:solidFill>
               </a:rPr>
-              <a:t>	outcome = </a:t>
-            </a:r>
-            <a:r>
-              <a:rPr lang="en-US" sz="1600" i="1" dirty="0" err="1">
-                <a:solidFill>
-                  <a:srgbClr val="CCFF99"/>
-                </a:solidFill>
-              </a:rPr>
-              <a:t>Grouping.sum</a:t>
-            </a:r>
-            <a:r>
-              <a:rPr lang="en-US" sz="1600" i="1" dirty="0">
-                <a:solidFill>
-                  <a:srgbClr val="CCFF99"/>
-                </a:solidFill>
-              </a:rPr>
-              <a:t>(</a:t>
-            </a:r>
-            <a:r>
-              <a:rPr lang="en-US" sz="1600" i="1" dirty="0" err="1">
-                <a:solidFill>
-                  <a:srgbClr val="CCFF99"/>
-                </a:solidFill>
-              </a:rPr>
-              <a:t>o.value</a:t>
-            </a:r>
-            <a:r>
-              <a:rPr lang="en-US" sz="1600" i="1" dirty="0">
-                <a:solidFill>
-                  <a:srgbClr val="CCFF99"/>
-                </a:solidFill>
-              </a:rPr>
-              <a:t>),</a:t>
-            </a:r>
-          </a:p>
-          <a:p>
-            <a:pPr marL="0" indent="0">
-              <a:buNone/>
-            </a:pPr>
-            <a:r>
-              <a:rPr lang="en-US" sz="1600" i="1" dirty="0">
-                <a:solidFill>
-                  <a:srgbClr val="CCFF99"/>
-                </a:solidFill>
-              </a:rPr>
-              <a:t>	profit = </a:t>
-            </a:r>
-            <a:r>
-              <a:rPr lang="en-US" sz="1600" i="1" dirty="0" err="1">
-                <a:solidFill>
-                  <a:srgbClr val="CCFF99"/>
-                </a:solidFill>
-              </a:rPr>
-              <a:t>Grouping.sum</a:t>
-            </a:r>
-            <a:r>
-              <a:rPr lang="en-US" sz="1600" i="1" dirty="0">
-                <a:solidFill>
-                  <a:srgbClr val="CCFF99"/>
-                </a:solidFill>
-              </a:rPr>
-              <a:t>(</a:t>
+              <a:t>	profit = sum(</a:t>
             </a:r>
             <a:r>
               <a:rPr lang="en-US" sz="1600" i="1" dirty="0" err="1">
@@ -23197,34 +23054,13 @@
           <a:lstStyle/>
           <a:p>
             <a:r>
-              <a:rPr lang="ru-RU" sz="2800" dirty="0">
+              <a:rPr lang="en-US" sz="2800" dirty="0">
                 <a:solidFill>
                   <a:srgbClr val="FFFF00"/>
                 </a:solidFill>
               </a:rPr>
-              <a:t>Примеры использования – работа с </a:t>
-            </a:r>
-            <a:r>
-              <a:rPr lang="en-US" sz="2800" dirty="0">
-                <a:solidFill>
-                  <a:srgbClr val="FFFF00"/>
-                </a:solidFill>
-              </a:rPr>
-              <a:t>WEB </a:t>
-            </a:r>
-            <a:r>
-              <a:rPr lang="ru-RU" sz="2800" dirty="0">
-                <a:solidFill>
-                  <a:srgbClr val="FFFF00"/>
-                </a:solidFill>
-              </a:rPr>
-              <a:t>страницами</a:t>
-            </a:r>
-            <a:endParaRPr lang="en-US" sz="2800" dirty="0">
-              <a:solidFill>
-                <a:srgbClr val="FFFF00"/>
-              </a:solidFill>
-            </a:endParaRPr>
+              <a:t>Usage examples: WEB pages processing</a:t>
+            </a:r>
           </a:p>
         </p:txBody>
       </p:sp>
@@ -23336,7 +23172,7 @@
                   <a:srgbClr val="CCFF99"/>
                 </a:solidFill>
               </a:rPr>
-              <a:t> = "file:////examples/alko/Home.html"; objects </a:t>
+              <a:t> = "file:////examples/alko/Home.html"; OBJECTS </a:t>
             </a:r>
             <a:r>
               <a:rPr lang="en-US" sz="1600" i="1" dirty="0" err="1">
@@ -24169,7 +24005,7 @@
                   <a:srgbClr val="CCFF99"/>
                 </a:solidFill>
               </a:rPr>
-              <a:t>object </a:t>
+              <a:t>OBJECTS </a:t>
             </a:r>
             <a:r>
               <a:rPr lang="en-US" sz="1600" i="1" dirty="0" err="1">
@@ -24246,34 +24082,13 @@
           <a:lstStyle/>
           <a:p>
             <a:r>
-              <a:rPr lang="ru-RU" sz="2800" dirty="0">
+              <a:rPr lang="en-US" sz="2800" dirty="0">
                 <a:solidFill>
                   <a:srgbClr val="FFFF00"/>
                 </a:solidFill>
               </a:rPr>
-              <a:t>Примеры использования – работа с </a:t>
-            </a:r>
-            <a:r>
-              <a:rPr lang="en-US" sz="2800" dirty="0">
-                <a:solidFill>
-                  <a:srgbClr val="FFFF00"/>
-                </a:solidFill>
-              </a:rPr>
-              <a:t>WEB </a:t>
-            </a:r>
-            <a:r>
-              <a:rPr lang="ru-RU" sz="2800" dirty="0">
-                <a:solidFill>
-                  <a:srgbClr val="FFFF00"/>
-                </a:solidFill>
-              </a:rPr>
-              <a:t>страницами</a:t>
-            </a:r>
-            <a:endParaRPr lang="en-US" sz="2800" dirty="0">
-              <a:solidFill>
-                <a:srgbClr val="FFFF00"/>
-              </a:solidFill>
-            </a:endParaRPr>
+              <a:t>Usage examples: WEB pages processing</a:t>
+            </a:r>
           </a:p>
         </p:txBody>
       </p:sp>
@@ -24366,34 +24181,13 @@
           <a:lstStyle/>
           <a:p>
             <a:r>
-              <a:rPr lang="ru-RU" sz="2800" dirty="0">
+              <a:rPr lang="en-US" sz="2800" dirty="0">
                 <a:solidFill>
                   <a:srgbClr val="FFFF00"/>
                 </a:solidFill>
               </a:rPr>
-              <a:t>Примеры использования – работа с </a:t>
-            </a:r>
-            <a:r>
-              <a:rPr lang="en-US" sz="2800" dirty="0">
-                <a:solidFill>
-                  <a:srgbClr val="FFFF00"/>
-                </a:solidFill>
-              </a:rPr>
-              <a:t>WEB </a:t>
-            </a:r>
-            <a:r>
-              <a:rPr lang="ru-RU" sz="2800" dirty="0">
-                <a:solidFill>
-                  <a:srgbClr val="FFFF00"/>
-                </a:solidFill>
-              </a:rPr>
-              <a:t>страницами</a:t>
-            </a:r>
-            <a:endParaRPr lang="en-US" sz="2800" dirty="0">
-              <a:solidFill>
-                <a:srgbClr val="FFFF00"/>
-              </a:solidFill>
-            </a:endParaRPr>
+              <a:t>Usage examples: WEB pages processing</a:t>
+            </a:r>
           </a:p>
         </p:txBody>
       </p:sp>
@@ -24454,28 +24248,12 @@
           <a:lstStyle/>
           <a:p>
             <a:r>
-              <a:rPr lang="ru-RU" sz="2800" dirty="0">
+              <a:rPr lang="en-US" sz="2800" dirty="0">
                 <a:solidFill>
                   <a:srgbClr val="FFFF00"/>
                 </a:solidFill>
               </a:rPr>
-              <a:t>Примеры использования – работа с </a:t>
-            </a:r>
-            <a:r>
-              <a:rPr lang="en-US" sz="2800" dirty="0">
-                <a:solidFill>
-                  <a:srgbClr val="FFFF00"/>
-                </a:solidFill>
-              </a:rPr>
-              <a:t>WEB </a:t>
-            </a:r>
-            <a:r>
-              <a:rPr lang="ru-RU" sz="2800" dirty="0">
-                <a:solidFill>
-                  <a:srgbClr val="FFFF00"/>
-                </a:solidFill>
-              </a:rPr>
-              <a:t>страницами</a:t>
+              <a:t>Usage examples: WEB pages processing</a:t>
             </a:r>
             <a:endParaRPr lang="en-US" sz="2800" dirty="0"/>
           </a:p>
@@ -26647,28 +26425,12 @@
           <a:lstStyle/>
           <a:p>
             <a:r>
-              <a:rPr lang="ru-RU" sz="2800" dirty="0">
+              <a:rPr lang="en-US" sz="2800" dirty="0">
                 <a:solidFill>
                   <a:srgbClr val="FFFF00"/>
                 </a:solidFill>
               </a:rPr>
-              <a:t>Примеры использования – работа с </a:t>
-            </a:r>
-            <a:r>
-              <a:rPr lang="en-US" sz="2800" dirty="0">
-                <a:solidFill>
-                  <a:srgbClr val="FFFF00"/>
-                </a:solidFill>
-              </a:rPr>
-              <a:t>WEB </a:t>
-            </a:r>
-            <a:r>
-              <a:rPr lang="ru-RU" sz="2800" dirty="0">
-                <a:solidFill>
-                  <a:srgbClr val="FFFF00"/>
-                </a:solidFill>
-              </a:rPr>
-              <a:t>страницами</a:t>
+              <a:t>Usage examples: WEB pages processing</a:t>
             </a:r>
             <a:endParaRPr lang="en-US" sz="2800" dirty="0"/>
           </a:p>
@@ -26731,28 +26493,12 @@
           <a:lstStyle/>
           <a:p>
             <a:r>
-              <a:rPr lang="ru-RU" sz="2800" dirty="0">
+              <a:rPr lang="en-US" sz="2800" dirty="0">
                 <a:solidFill>
                   <a:srgbClr val="FFFF00"/>
                 </a:solidFill>
               </a:rPr>
-              <a:t>Примеры использования – работа с </a:t>
-            </a:r>
-            <a:r>
-              <a:rPr lang="en-US" sz="2800" dirty="0">
-                <a:solidFill>
-                  <a:srgbClr val="FFFF00"/>
-                </a:solidFill>
-              </a:rPr>
-              <a:t>WEB </a:t>
-            </a:r>
-            <a:r>
-              <a:rPr lang="ru-RU" sz="2800" dirty="0">
-                <a:solidFill>
-                  <a:srgbClr val="FFFF00"/>
-                </a:solidFill>
-              </a:rPr>
-              <a:t>страницами</a:t>
+              <a:t>Usage examples: WEB pages processing</a:t>
             </a:r>
             <a:endParaRPr lang="en-US" sz="2800" dirty="0"/>
           </a:p>
@@ -27521,6 +27267,346 @@
     <p:extLst>
       <p:ext uri="{BB962C8B-B14F-4D97-AF65-F5344CB8AC3E}">
         <p14:creationId xmlns:p14="http://schemas.microsoft.com/office/powerpoint/2010/main" val="3519861187"/>
+      </p:ext>
+    </p:extLst>
+  </p:cSld>
+  <p:clrMapOvr>
+    <a:masterClrMapping/>
+  </p:clrMapOvr>
+</p:sld>
+</file>
+
+<file path=ppt/slides/slide28.xml><?xml version="1.0" encoding="utf-8"?>
+<p:sld xmlns:a="http://schemas.openxmlformats.org/drawingml/2006/main" xmlns:r="http://schemas.openxmlformats.org/officeDocument/2006/relationships" xmlns:p="http://schemas.openxmlformats.org/presentationml/2006/main">
+  <p:cSld>
+    <p:spTree>
+      <p:nvGrpSpPr>
+        <p:cNvPr id="1" name=""/>
+        <p:cNvGrpSpPr/>
+        <p:nvPr/>
+      </p:nvGrpSpPr>
+      <p:grpSpPr>
+        <a:xfrm>
+          <a:off x="0" y="0"/>
+          <a:ext cx="0" cy="0"/>
+          <a:chOff x="0" y="0"/>
+          <a:chExt cx="0" cy="0"/>
+        </a:xfrm>
+      </p:grpSpPr>
+      <p:sp>
+        <p:nvSpPr>
+          <p:cNvPr id="2" name="Title 1">
+            <a:extLst>
+              <a:ext uri="{FF2B5EF4-FFF2-40B4-BE49-F238E27FC236}">
+                <a16:creationId xmlns:a16="http://schemas.microsoft.com/office/drawing/2014/main" id="{C1E790C1-2338-471F-8979-AF250F5E2900}"/>
+              </a:ext>
+            </a:extLst>
+          </p:cNvPr>
+          <p:cNvSpPr>
+            <a:spLocks noGrp="1"/>
+          </p:cNvSpPr>
+          <p:nvPr>
+            <p:ph type="title"/>
+          </p:nvPr>
+        </p:nvSpPr>
+        <p:spPr>
+          <a:xfrm>
+            <a:off x="646111" y="452718"/>
+            <a:ext cx="9404723" cy="598842"/>
+          </a:xfrm>
+        </p:spPr>
+        <p:txBody>
+          <a:bodyPr/>
+          <a:lstStyle/>
+          <a:p>
+            <a:r>
+              <a:rPr lang="en-US" sz="2800" dirty="0">
+                <a:solidFill>
+                  <a:srgbClr val="FFFF00"/>
+                </a:solidFill>
+              </a:rPr>
+              <a:t>Possible applications</a:t>
+            </a:r>
+          </a:p>
+        </p:txBody>
+      </p:sp>
+      <p:sp>
+        <p:nvSpPr>
+          <p:cNvPr id="3" name="Content Placeholder 2">
+            <a:extLst>
+              <a:ext uri="{FF2B5EF4-FFF2-40B4-BE49-F238E27FC236}">
+                <a16:creationId xmlns:a16="http://schemas.microsoft.com/office/drawing/2014/main" id="{73AF4D85-0F39-48AE-B1D6-66F3D2DF6983}"/>
+              </a:ext>
+            </a:extLst>
+          </p:cNvPr>
+          <p:cNvSpPr>
+            <a:spLocks noGrp="1"/>
+          </p:cNvSpPr>
+          <p:nvPr>
+            <p:ph idx="1"/>
+          </p:nvPr>
+        </p:nvSpPr>
+        <p:spPr>
+          <a:xfrm>
+            <a:off x="422910" y="1051560"/>
+            <a:ext cx="9626943" cy="5196839"/>
+          </a:xfrm>
+        </p:spPr>
+        <p:txBody>
+          <a:bodyPr>
+            <a:normAutofit fontScale="92500" lnSpcReduction="10000"/>
+          </a:bodyPr>
+          <a:lstStyle/>
+          <a:p>
+            <a:r>
+              <a:rPr lang="en-US" dirty="0"/>
+              <a:t>Automation of testing and control of WEB applications, search robots creation</a:t>
+            </a:r>
+          </a:p>
+          <a:p>
+            <a:r>
+              <a:rPr lang="en-US" dirty="0"/>
+              <a:t>Analysis of texts in natural language. E.g. rule-based analysis and retrieval of reports, protocols, court decisions, messages in social networks, letters, etc.</a:t>
+            </a:r>
+            <a:endParaRPr lang="ru-RU" dirty="0"/>
+          </a:p>
+          <a:p>
+            <a:r>
+              <a:rPr lang="en-US" dirty="0"/>
+              <a:t>Analysis of logs, sequences of actions. For example, analyzing the actions of site visitors, highlighting behavior patterns, classifying users based on their behavior</a:t>
+            </a:r>
+            <a:endParaRPr lang="ru-RU" dirty="0"/>
+          </a:p>
+          <a:p>
+            <a:r>
+              <a:rPr lang="en-US" dirty="0"/>
+              <a:t>Analysis and recognition of graphic images. Rule-based search of objects consisting of a set of graphic primitives related to each other. For example, searching for specific group of buildings on a map</a:t>
+            </a:r>
+            <a:endParaRPr lang="ru-RU" dirty="0"/>
+          </a:p>
+          <a:p>
+            <a:r>
+              <a:rPr lang="en-US" dirty="0"/>
+              <a:t>Description of the data hierarchy and ways of their composition in traditional programming. For example, most of the classes in server-side OOP applications are just the simple structures for describing data: POJO, JavaBeans, and so on. Describing a structure, relationships and ways of obtaining data in a declarative form would greatly simplify the source code of applications</a:t>
+            </a:r>
+            <a:endParaRPr lang="ru-RU" dirty="0"/>
+          </a:p>
+          <a:p>
+            <a:endParaRPr lang="ru-RU" dirty="0"/>
+          </a:p>
+          <a:p>
+            <a:endParaRPr lang="en-US" dirty="0"/>
+          </a:p>
+        </p:txBody>
+      </p:sp>
+    </p:spTree>
+    <p:extLst>
+      <p:ext uri="{BB962C8B-B14F-4D97-AF65-F5344CB8AC3E}">
+        <p14:creationId xmlns:p14="http://schemas.microsoft.com/office/powerpoint/2010/main" val="815538534"/>
+      </p:ext>
+    </p:extLst>
+  </p:cSld>
+  <p:clrMapOvr>
+    <a:masterClrMapping/>
+  </p:clrMapOvr>
+</p:sld>
+</file>
+
+<file path=ppt/slides/slide29.xml><?xml version="1.0" encoding="utf-8"?>
+<p:sld xmlns:a="http://schemas.openxmlformats.org/drawingml/2006/main" xmlns:r="http://schemas.openxmlformats.org/officeDocument/2006/relationships" xmlns:p="http://schemas.openxmlformats.org/presentationml/2006/main">
+  <p:cSld>
+    <p:spTree>
+      <p:nvGrpSpPr>
+        <p:cNvPr id="1" name=""/>
+        <p:cNvGrpSpPr/>
+        <p:nvPr/>
+      </p:nvGrpSpPr>
+      <p:grpSpPr>
+        <a:xfrm>
+          <a:off x="0" y="0"/>
+          <a:ext cx="0" cy="0"/>
+          <a:chOff x="0" y="0"/>
+          <a:chExt cx="0" cy="0"/>
+        </a:xfrm>
+      </p:grpSpPr>
+      <p:sp>
+        <p:nvSpPr>
+          <p:cNvPr id="2" name="Title 1">
+            <a:extLst>
+              <a:ext uri="{FF2B5EF4-FFF2-40B4-BE49-F238E27FC236}">
+                <a16:creationId xmlns:a16="http://schemas.microsoft.com/office/drawing/2014/main" id="{90EDF0CF-E154-45A9-B0E5-1AFB1ABA7DCD}"/>
+              </a:ext>
+            </a:extLst>
+          </p:cNvPr>
+          <p:cNvSpPr>
+            <a:spLocks noGrp="1"/>
+          </p:cNvSpPr>
+          <p:nvPr>
+            <p:ph type="title"/>
+          </p:nvPr>
+        </p:nvSpPr>
+        <p:spPr>
+          <a:xfrm>
+            <a:off x="646111" y="452718"/>
+            <a:ext cx="9404723" cy="644562"/>
+          </a:xfrm>
+        </p:spPr>
+        <p:txBody>
+          <a:bodyPr/>
+          <a:lstStyle/>
+          <a:p>
+            <a:r>
+              <a:rPr lang="en-US" sz="2800" dirty="0">
+                <a:solidFill>
+                  <a:srgbClr val="FFFF00"/>
+                </a:solidFill>
+              </a:rPr>
+              <a:t>Plans for the future</a:t>
+            </a:r>
+          </a:p>
+        </p:txBody>
+      </p:sp>
+      <p:sp>
+        <p:nvSpPr>
+          <p:cNvPr id="3" name="Content Placeholder 2">
+            <a:extLst>
+              <a:ext uri="{FF2B5EF4-FFF2-40B4-BE49-F238E27FC236}">
+                <a16:creationId xmlns:a16="http://schemas.microsoft.com/office/drawing/2014/main" id="{A356A87A-3CF6-4216-84A6-6ACDBCFEED4D}"/>
+              </a:ext>
+            </a:extLst>
+          </p:cNvPr>
+          <p:cNvSpPr>
+            <a:spLocks noGrp="1"/>
+          </p:cNvSpPr>
+          <p:nvPr>
+            <p:ph idx="1"/>
+          </p:nvPr>
+        </p:nvSpPr>
+        <p:spPr>
+          <a:xfrm>
+            <a:off x="411480" y="1097280"/>
+            <a:ext cx="11418570" cy="5440680"/>
+          </a:xfrm>
+        </p:spPr>
+        <p:txBody>
+          <a:bodyPr>
+            <a:normAutofit fontScale="85000" lnSpcReduction="10000"/>
+          </a:bodyPr>
+          <a:lstStyle/>
+          <a:p>
+            <a:pPr marL="0" indent="0">
+              <a:buNone/>
+            </a:pPr>
+            <a:r>
+              <a:rPr lang="en-US" b="1" dirty="0"/>
+              <a:t>Language design</a:t>
+            </a:r>
+            <a:r>
+              <a:rPr lang="ru-RU" b="1" dirty="0"/>
+              <a:t>:</a:t>
+            </a:r>
+          </a:p>
+          <a:p>
+            <a:r>
+              <a:rPr lang="en-US" dirty="0"/>
+              <a:t>Finalize the syntax of the imperative part, bring it closer to JS standards</a:t>
+            </a:r>
+          </a:p>
+          <a:p>
+            <a:r>
+              <a:rPr lang="en-US" dirty="0"/>
+              <a:t>Finalize the syntax of the declarative part, bring it closer to SQL standards, implement built-in variables, subqueries, higher-order logic</a:t>
+            </a:r>
+          </a:p>
+          <a:p>
+            <a:r>
+              <a:rPr lang="en-US" dirty="0"/>
+              <a:t>Implement elements of functional programming</a:t>
+            </a:r>
+          </a:p>
+          <a:p>
+            <a:r>
+              <a:rPr lang="en-US" dirty="0"/>
+              <a:t>Finalize the language translator, output of compilation error messages</a:t>
+            </a:r>
+          </a:p>
+          <a:p>
+            <a:r>
+              <a:rPr lang="en-US" dirty="0"/>
+              <a:t>Implement a system of exceptions</a:t>
+            </a:r>
+          </a:p>
+          <a:p>
+            <a:r>
+              <a:rPr lang="en-US" dirty="0"/>
+              <a:t>Implement a debugger</a:t>
+            </a:r>
+            <a:endParaRPr lang="ru-RU" dirty="0"/>
+          </a:p>
+          <a:p>
+            <a:r>
+              <a:rPr lang="en-US" dirty="0"/>
+              <a:t>Optimize queries to the knowledge base, improve caching and indexing</a:t>
+            </a:r>
+            <a:endParaRPr lang="ru-RU" dirty="0"/>
+          </a:p>
+          <a:p>
+            <a:pPr marL="0" indent="0">
+              <a:buNone/>
+            </a:pPr>
+            <a:r>
+              <a:rPr lang="en-US" b="1" dirty="0"/>
+              <a:t>Application in practice</a:t>
+            </a:r>
+            <a:r>
+              <a:rPr lang="ru-RU" b="1" dirty="0"/>
+              <a:t>:</a:t>
+            </a:r>
+          </a:p>
+          <a:p>
+            <a:r>
+              <a:rPr lang="en-US" dirty="0"/>
+              <a:t>Solve the task of quick access to elements of a WEB page</a:t>
+            </a:r>
+          </a:p>
+          <a:p>
+            <a:r>
+              <a:rPr lang="en-US" dirty="0"/>
+              <a:t>Create a set of predefined concepts and functions for a convenient description of the relationships between elements of a WEB page: color, dimensions, mutual position, hierarchy, functional purpose</a:t>
+            </a:r>
+          </a:p>
+          <a:p>
+            <a:r>
+              <a:rPr lang="en-US" dirty="0"/>
+              <a:t>Integrate the language with natural language processing systems to structure the content of text documents</a:t>
+            </a:r>
+          </a:p>
+          <a:p>
+            <a:r>
+              <a:rPr lang="en-US" dirty="0"/>
+              <a:t>Integrate the language with existing RPA systems, implement visual tools for concepts</a:t>
+            </a:r>
+            <a:r>
+              <a:rPr lang="ru-RU" dirty="0"/>
+              <a:t> </a:t>
+            </a:r>
+            <a:r>
+              <a:rPr lang="en-US" dirty="0"/>
+              <a:t>creation</a:t>
+            </a:r>
+          </a:p>
+          <a:p>
+            <a:endParaRPr lang="ru-RU" dirty="0"/>
+          </a:p>
+          <a:p>
+            <a:endParaRPr lang="en-US" dirty="0"/>
+          </a:p>
+        </p:txBody>
+      </p:sp>
+    </p:spTree>
+    <p:extLst>
+      <p:ext uri="{BB962C8B-B14F-4D97-AF65-F5344CB8AC3E}">
+        <p14:creationId xmlns:p14="http://schemas.microsoft.com/office/powerpoint/2010/main" val="3634542791"/>
       </p:ext>
     </p:extLst>
   </p:cSld>
@@ -27574,12 +27660,20 @@
           <a:lstStyle/>
           <a:p>
             <a:r>
+              <a:rPr lang="en-US" sz="2800" dirty="0">
+                <a:solidFill>
+                  <a:srgbClr val="FFFF00"/>
+                </a:solidFill>
+              </a:rPr>
+              <a:t>Limitations of</a:t>
+            </a:r>
+            <a:r>
               <a:rPr lang="ru-RU" sz="2800" dirty="0">
                 <a:solidFill>
                   <a:srgbClr val="FFFF00"/>
                 </a:solidFill>
               </a:rPr>
-              <a:t>Недостатки </a:t>
+              <a:t> </a:t>
             </a:r>
             <a:r>
               <a:rPr lang="en-US" sz="2800" dirty="0">
@@ -27622,40 +27716,23 @@
           <a:p>
             <a:pPr algn="just"/>
             <a:r>
-              <a:rPr lang="ru-RU" dirty="0"/>
-              <a:t>Неумение работать с нестуктурированной информацией.</a:t>
-            </a:r>
-            <a:r>
               <a:rPr lang="en-US" dirty="0"/>
-              <a:t> </a:t>
-            </a:r>
-            <a:r>
-              <a:rPr lang="ru-RU" dirty="0"/>
-              <a:t>Согласно источникам, от 50% до 90% всех данных большинства организаций неструктурировано. Это является важнейшим ограничением </a:t>
-            </a:r>
+              <a:t>Inability to work with non-structured information. According to sources, from 50% to 90% of all data of most organizations are unstructured. This is the most important limitation of RPA solutions</a:t>
+            </a:r>
+          </a:p>
+          <a:p>
+            <a:pPr algn="just"/>
             <a:r>
               <a:rPr lang="en-US" dirty="0"/>
-              <a:t>RPA </a:t>
-            </a:r>
-            <a:r>
-              <a:rPr lang="ru-RU" dirty="0"/>
-              <a:t>решений.</a:t>
+              <a:t>Inability to abstract from the details, differences in data formats, features of the implementation of controlled software and highlight common features and work with them on an abstract level. Even minimal changes in controlled applications require reconfiguration of robots</a:t>
             </a:r>
           </a:p>
           <a:p>
             <a:pPr algn="just"/>
             <a:r>
-              <a:rPr lang="ru-RU" dirty="0"/>
-              <a:t>Неумение абстрагироваться от деталей, различий в форматах данных, особенностей реализации управляемого ПР и выделить общие черты и работать с ними на абстрактном уровне. Даже минимальные изменения в управляемных приложениях требуют переконфигурирования роботов.</a:t>
-            </a:r>
-          </a:p>
-          <a:p>
-            <a:pPr algn="just"/>
-            <a:r>
-              <a:rPr lang="ru-RU" dirty="0"/>
-              <a:t>Графический способ создания программ не всегда удобен и понятен для создания и поддержки. Слабая интеграция с традиционными средствами разработки ПО.</a:t>
-            </a:r>
-            <a:endParaRPr lang="en-US" dirty="0"/>
+              <a:rPr lang="en-US" dirty="0"/>
+              <a:t>The graphical way of describing tasks is not always convenient and understandable for creation and support. Weak integration with traditional software development tools</a:t>
+            </a:r>
           </a:p>
         </p:txBody>
       </p:sp>
@@ -27663,6 +27740,128 @@
     <p:extLst>
       <p:ext uri="{BB962C8B-B14F-4D97-AF65-F5344CB8AC3E}">
         <p14:creationId xmlns:p14="http://schemas.microsoft.com/office/powerpoint/2010/main" val="2883553405"/>
+      </p:ext>
+    </p:extLst>
+  </p:cSld>
+  <p:clrMapOvr>
+    <a:masterClrMapping/>
+  </p:clrMapOvr>
+</p:sld>
+</file>
+
+<file path=ppt/slides/slide30.xml><?xml version="1.0" encoding="utf-8"?>
+<p:sld xmlns:a="http://schemas.openxmlformats.org/drawingml/2006/main" xmlns:r="http://schemas.openxmlformats.org/officeDocument/2006/relationships" xmlns:p="http://schemas.openxmlformats.org/presentationml/2006/main">
+  <p:cSld>
+    <p:spTree>
+      <p:nvGrpSpPr>
+        <p:cNvPr id="1" name=""/>
+        <p:cNvGrpSpPr/>
+        <p:nvPr/>
+      </p:nvGrpSpPr>
+      <p:grpSpPr>
+        <a:xfrm>
+          <a:off x="0" y="0"/>
+          <a:ext cx="0" cy="0"/>
+          <a:chOff x="0" y="0"/>
+          <a:chExt cx="0" cy="0"/>
+        </a:xfrm>
+      </p:grpSpPr>
+      <p:sp>
+        <p:nvSpPr>
+          <p:cNvPr id="2" name="Title 1">
+            <a:extLst>
+              <a:ext uri="{FF2B5EF4-FFF2-40B4-BE49-F238E27FC236}">
+                <a16:creationId xmlns:a16="http://schemas.microsoft.com/office/drawing/2014/main" id="{713E171E-EE99-45F5-B3FE-A4A1174EB200}"/>
+              </a:ext>
+            </a:extLst>
+          </p:cNvPr>
+          <p:cNvSpPr>
+            <a:spLocks noGrp="1"/>
+          </p:cNvSpPr>
+          <p:nvPr>
+            <p:ph type="title"/>
+          </p:nvPr>
+        </p:nvSpPr>
+        <p:spPr>
+          <a:xfrm>
+            <a:off x="646111" y="452718"/>
+            <a:ext cx="9404723" cy="564552"/>
+          </a:xfrm>
+        </p:spPr>
+        <p:txBody>
+          <a:bodyPr/>
+          <a:lstStyle/>
+          <a:p>
+            <a:r>
+              <a:rPr lang="en-US" sz="2800" dirty="0">
+                <a:solidFill>
+                  <a:srgbClr val="FFFF00"/>
+                </a:solidFill>
+              </a:rPr>
+              <a:t>Conclusions</a:t>
+            </a:r>
+          </a:p>
+        </p:txBody>
+      </p:sp>
+      <p:sp>
+        <p:nvSpPr>
+          <p:cNvPr id="3" name="Content Placeholder 2">
+            <a:extLst>
+              <a:ext uri="{FF2B5EF4-FFF2-40B4-BE49-F238E27FC236}">
+                <a16:creationId xmlns:a16="http://schemas.microsoft.com/office/drawing/2014/main" id="{4AD93DEE-A4F1-470D-BF05-441DB06A09EB}"/>
+              </a:ext>
+            </a:extLst>
+          </p:cNvPr>
+          <p:cNvSpPr>
+            <a:spLocks noGrp="1"/>
+          </p:cNvSpPr>
+          <p:nvPr>
+            <p:ph idx="1"/>
+          </p:nvPr>
+        </p:nvSpPr>
+        <p:spPr>
+          <a:xfrm>
+            <a:off x="646111" y="1755738"/>
+            <a:ext cx="9729813" cy="4195481"/>
+          </a:xfrm>
+        </p:spPr>
+        <p:txBody>
+          <a:bodyPr/>
+          <a:lstStyle/>
+          <a:p>
+            <a:pPr marL="0" indent="0">
+              <a:buNone/>
+            </a:pPr>
+            <a:r>
+              <a:rPr lang="en-US" dirty="0"/>
+              <a:t>The design and implementation of a hybrid programming language that combines declarative and imperative components are proposed.</a:t>
+            </a:r>
+          </a:p>
+          <a:p>
+            <a:pPr marL="0" indent="0">
+              <a:buNone/>
+            </a:pPr>
+            <a:r>
+              <a:rPr lang="en-US" dirty="0"/>
+              <a:t>The language allows to create abstract conceptual models of a subject area in a declarative way and also to manipulate the elements of these models to solve practical tasks in the field of RPA.</a:t>
+            </a:r>
+          </a:p>
+          <a:p>
+            <a:pPr marL="0" indent="0">
+              <a:buNone/>
+            </a:pPr>
+            <a:r>
+              <a:rPr lang="en-US"/>
+              <a:t>Examples of application of language for automation of work with WEB applications and tabular data are shown.</a:t>
+            </a:r>
+            <a:endParaRPr lang="en-US" dirty="0"/>
+          </a:p>
+        </p:txBody>
+      </p:sp>
+    </p:spTree>
+    <p:extLst>
+      <p:ext uri="{BB962C8B-B14F-4D97-AF65-F5344CB8AC3E}">
+        <p14:creationId xmlns:p14="http://schemas.microsoft.com/office/powerpoint/2010/main" val="4197116161"/>
       </p:ext>
     </p:extLst>
   </p:cSld>
@@ -27716,18 +27915,13 @@
           <a:lstStyle/>
           <a:p>
             <a:r>
-              <a:rPr lang="ru-RU" sz="2800" dirty="0">
+              <a:rPr lang="en-US" sz="2800" dirty="0">
                 <a:solidFill>
                   <a:srgbClr val="FFFF00"/>
                 </a:solidFill>
               </a:rPr>
-              <a:t>Онтология как набор абстрактных понятий для описания предметной области </a:t>
-            </a:r>
-            <a:endParaRPr lang="en-US" sz="2800" dirty="0">
-              <a:solidFill>
-                <a:srgbClr val="FFFF00"/>
-              </a:solidFill>
-            </a:endParaRPr>
+              <a:t>Ontology as a set of abstract concepts for describing a domain</a:t>
+            </a:r>
           </a:p>
         </p:txBody>
       </p:sp>
@@ -27755,7 +27949,7 @@
         </p:spPr>
         <p:txBody>
           <a:bodyPr>
-            <a:normAutofit fontScale="92500" lnSpcReduction="10000"/>
+            <a:normAutofit/>
           </a:bodyPr>
           <a:lstStyle/>
           <a:p>
@@ -27763,28 +27957,48 @@
               <a:buNone/>
             </a:pPr>
             <a:r>
+              <a:rPr lang="en-US" dirty="0"/>
+              <a:t>Ontology is a formal naming and definition of the types, properties, and interrelationships of the entities that really exist in a particular domain. Most ontologies describe individuals (instances), classes (concepts), attributes, and relations:</a:t>
+            </a:r>
+            <a:endParaRPr lang="ru-RU" dirty="0"/>
+          </a:p>
+          <a:p>
+            <a:pPr algn="just"/>
+            <a:r>
+              <a:rPr lang="en-US" b="1" i="1" dirty="0"/>
+              <a:t>Instances</a:t>
+            </a:r>
+            <a:r>
+              <a:rPr lang="en-US" dirty="0"/>
+              <a:t> are</a:t>
+            </a:r>
+            <a:r>
               <a:rPr lang="ru-RU" dirty="0"/>
-              <a:t>Под онтологией понимается некая структура, концептуальная схема, описывающая (формализующая) значения элементов некоторой предметной области. Онтология состоит из набора терминов и правил описывающих их связи, отношения. Обычно онтологии строятся из </a:t>
-            </a:r>
-            <a:r>
-              <a:rPr lang="ru-RU" i="1" dirty="0"/>
-              <a:t>экземпляров</a:t>
+              <a:t> </a:t>
+            </a:r>
+            <a:r>
+              <a:rPr lang="en-US" dirty="0"/>
+              <a:t>the basic or "ground level" objects</a:t>
             </a:r>
             <a:r>
               <a:rPr lang="ru-RU" dirty="0"/>
-              <a:t>, </a:t>
-            </a:r>
-            <a:r>
-              <a:rPr lang="ru-RU" i="1" dirty="0"/>
-              <a:t>понятий, атрибутов</a:t>
-            </a:r>
-            <a:r>
-              <a:rPr lang="ru-RU" dirty="0"/>
-              <a:t> и </a:t>
-            </a:r>
-            <a:r>
-              <a:rPr lang="ru-RU" i="1" dirty="0"/>
-              <a:t>отношений</a:t>
+              <a:t> </a:t>
+            </a:r>
+            <a:r>
+              <a:rPr lang="en-US" dirty="0"/>
+              <a:t>of ontology. Can represent both physical objects (people, houses, planets) and abstract ones (numbers, words).</a:t>
+            </a:r>
+            <a:endParaRPr lang="ru-RU" dirty="0"/>
+          </a:p>
+          <a:p>
+            <a:pPr algn="just"/>
+            <a:r>
+              <a:rPr lang="en-US" b="1" i="1" dirty="0"/>
+              <a:t>Attributes </a:t>
+            </a:r>
+            <a:r>
+              <a:rPr lang="en-US" dirty="0"/>
+              <a:t>are aspects, properties, features, characteristics, or parameters that objects (and classes) can have</a:t>
             </a:r>
             <a:r>
               <a:rPr lang="ru-RU" dirty="0"/>
@@ -27794,52 +28008,44 @@
           <a:p>
             <a:pPr algn="just"/>
             <a:r>
-              <a:rPr lang="ru-RU" b="1" i="1" dirty="0"/>
-              <a:t>Экземпляры</a:t>
+              <a:rPr lang="en-US" b="1" dirty="0"/>
+              <a:t>Classes</a:t>
             </a:r>
             <a:r>
               <a:rPr lang="ru-RU" dirty="0"/>
-              <a:t> —  это объекты, основные нижнеуровневые компоненты онтологии; могут представлять собой как физические объекты (люди, дома, планеты), так и абстрактные (числа, слова). </a:t>
+              <a:t> </a:t>
+            </a:r>
+            <a:r>
+              <a:rPr lang="en-US" dirty="0"/>
+              <a:t>are</a:t>
+            </a:r>
+            <a:r>
+              <a:rPr lang="ru-RU" dirty="0"/>
+              <a:t> </a:t>
+            </a:r>
+            <a:r>
+              <a:rPr lang="en-US" dirty="0"/>
+              <a:t>abstract groups, collections, or sets of objects. They can contain instances, other classes, or a combination of both</a:t>
+            </a:r>
+            <a:r>
+              <a:rPr lang="ru-RU" dirty="0"/>
+              <a:t>.</a:t>
             </a:r>
           </a:p>
           <a:p>
             <a:pPr algn="just"/>
             <a:r>
-              <a:rPr lang="ru-RU" b="1" i="1" dirty="0"/>
-              <a:t>Атрибуты</a:t>
+              <a:rPr lang="en-US" b="1" i="1" dirty="0"/>
+              <a:t>Relations</a:t>
             </a:r>
             <a:r>
               <a:rPr lang="ru-RU" dirty="0"/>
-              <a:t> — каждый объект может иметь необязательный набор атрибутов позволяющий хранить специфичную информацию.</a:t>
-            </a:r>
-          </a:p>
-          <a:p>
-            <a:pPr algn="just"/>
-            <a:r>
-              <a:rPr lang="ru-RU" b="1" dirty="0"/>
-              <a:t>Понятния</a:t>
-            </a:r>
-            <a:r>
-              <a:rPr lang="ru-RU" dirty="0"/>
-              <a:t> —  абстрактные группы, коллекции или наборы объектов. Они могут включать в себя экземпляры, другие классы, либо же сочетания и того, и другого.</a:t>
-            </a:r>
-          </a:p>
-          <a:p>
-            <a:pPr algn="just"/>
-            <a:r>
-              <a:rPr lang="ru-RU" b="1" i="1" dirty="0"/>
-              <a:t>Отношения</a:t>
-            </a:r>
-            <a:r>
-              <a:rPr lang="ru-RU" dirty="0"/>
-              <a:t> — позволяют задать зависимости между объектами онтологии. </a:t>
-            </a:r>
-          </a:p>
-          <a:p>
-            <a:pPr marL="0" indent="0" algn="just">
-              <a:buNone/>
-            </a:pPr>
-            <a:endParaRPr lang="en-US" dirty="0"/>
+              <a:t> </a:t>
+            </a:r>
+            <a:r>
+              <a:rPr lang="en-US" dirty="0"/>
+              <a:t>are ways in which classes and individuals can be related to one another</a:t>
+            </a:r>
           </a:p>
         </p:txBody>
       </p:sp>
@@ -27900,18 +28106,13 @@
           <a:lstStyle/>
           <a:p>
             <a:r>
-              <a:rPr lang="ru-RU" sz="2800" dirty="0">
+              <a:rPr lang="en-US" sz="2800" dirty="0">
                 <a:solidFill>
                   <a:srgbClr val="FFFF00"/>
                 </a:solidFill>
               </a:rPr>
-              <a:t>Способы создания онтологий</a:t>
-            </a:r>
-            <a:endParaRPr lang="en-US" sz="2800" dirty="0">
-              <a:solidFill>
-                <a:srgbClr val="FFFF00"/>
-              </a:solidFill>
-            </a:endParaRPr>
+              <a:t>Ways to create ontologies</a:t>
+            </a:r>
           </a:p>
         </p:txBody>
       </p:sp>
@@ -27947,26 +28148,60 @@
               <a:buNone/>
             </a:pPr>
             <a:r>
+              <a:rPr lang="en-US" dirty="0"/>
+              <a:t>Types of languages</a:t>
+            </a:r>
+            <a:r>
               <a:rPr lang="ru-RU" dirty="0"/>
-              <a:t>Типы языков: </a:t>
-            </a:r>
-          </a:p>
-          <a:p>
+              <a:t>: </a:t>
+            </a:r>
+          </a:p>
+          <a:p>
+            <a:r>
+              <a:rPr lang="en-US" dirty="0"/>
+              <a:t>D</a:t>
+            </a:r>
+            <a:r>
+              <a:rPr lang="en-US" i="1" dirty="0"/>
+              <a:t>escription logics: OWL, </a:t>
+            </a:r>
             <a:r>
               <a:rPr lang="ru-RU" dirty="0"/>
-              <a:t>Описательные логики</a:t>
-            </a:r>
-            <a:r>
-              <a:rPr lang="ru-RU" baseline="30000" dirty="0"/>
-              <a:t> </a:t>
-            </a:r>
-            <a:r>
-              <a:rPr lang="ru-RU" dirty="0"/>
-              <a:t>(</a:t>
+              <a:t>SKOS</a:t>
+            </a:r>
+            <a:r>
+              <a:rPr lang="en-US" dirty="0"/>
+              <a:t>, </a:t>
             </a:r>
             <a:r>
               <a:rPr lang="en-US" i="1" dirty="0"/>
-              <a:t>description logics</a:t>
+              <a:t>ALC.</a:t>
+            </a:r>
+            <a:endParaRPr lang="ru-RU" i="1" dirty="0"/>
+          </a:p>
+          <a:p>
+            <a:r>
+              <a:rPr lang="en-US" i="1" dirty="0"/>
+              <a:t>First order logics: Prolog, </a:t>
+            </a:r>
+            <a:r>
+              <a:rPr lang="en-US" i="1" dirty="0" err="1"/>
+              <a:t>CycL</a:t>
+            </a:r>
+            <a:endParaRPr lang="en-US" i="1" dirty="0"/>
+          </a:p>
+          <a:p>
+            <a:r>
+              <a:rPr lang="en-US" i="1" dirty="0"/>
+              <a:t>Frame Logic</a:t>
+            </a:r>
+            <a:r>
+              <a:rPr lang="ru-RU" i="1" dirty="0"/>
+              <a:t> (</a:t>
+            </a:r>
+            <a:r>
+              <a:rPr lang="en-US" i="1" dirty="0"/>
+              <a:t>F-logic</a:t>
             </a:r>
             <a:r>
               <a:rPr lang="ru-RU" i="1" dirty="0"/>
@@ -27974,136 +28209,84 @@
             </a:r>
             <a:r>
               <a:rPr lang="en-US" i="1" dirty="0"/>
-              <a:t>: OWL, </a:t>
+              <a:t>: Flora-2</a:t>
+            </a:r>
+          </a:p>
+          <a:p>
+            <a:r>
+              <a:rPr lang="en-US" i="1" dirty="0"/>
+              <a:t>Domain specific languages (DSL): SQL</a:t>
+            </a:r>
+            <a:endParaRPr lang="ru-RU" i="1" dirty="0"/>
+          </a:p>
+          <a:p>
+            <a:endParaRPr lang="en-US" i="1" dirty="0"/>
+          </a:p>
+          <a:p>
+            <a:pPr marL="0" indent="0">
+              <a:buNone/>
+            </a:pPr>
+            <a:r>
+              <a:rPr lang="en-US" dirty="0"/>
+              <a:t>Key applications</a:t>
             </a:r>
             <a:r>
               <a:rPr lang="ru-RU" dirty="0"/>
-              <a:t>SKOS</a:t>
-            </a:r>
+              <a:t>:</a:t>
+            </a:r>
+          </a:p>
+          <a:p>
             <a:r>
               <a:rPr lang="en-US" dirty="0"/>
+              <a:t>Business process modelling</a:t>
+            </a:r>
+            <a:endParaRPr lang="ru-RU" dirty="0"/>
+          </a:p>
+          <a:p>
+            <a:r>
+              <a:rPr lang="ru-RU" dirty="0"/>
+              <a:t>Semantic Web</a:t>
+            </a:r>
+          </a:p>
+          <a:p>
+            <a:r>
+              <a:rPr lang="en-US" dirty="0"/>
+              <a:t>Artificial Intelligence</a:t>
+            </a:r>
+          </a:p>
+          <a:p>
+            <a:r>
+              <a:rPr lang="en-US" dirty="0"/>
+              <a:t>System Engineering</a:t>
+            </a:r>
+          </a:p>
+          <a:p>
+            <a:r>
+              <a:rPr lang="en-US" dirty="0"/>
+              <a:t>Software design</a:t>
+            </a:r>
+            <a:r>
+              <a:rPr lang="ru-RU" dirty="0"/>
               <a:t>, </a:t>
             </a:r>
             <a:r>
-              <a:rPr lang="en-US" i="1" dirty="0"/>
-              <a:t>ALC.</a:t>
-            </a:r>
-            <a:endParaRPr lang="ru-RU" i="1" dirty="0"/>
-          </a:p>
-          <a:p>
-            <a:r>
-              <a:rPr lang="ru-RU" i="1" dirty="0"/>
-              <a:t>Логики первого порядка (</a:t>
-            </a:r>
-            <a:r>
-              <a:rPr lang="en-US" i="1" dirty="0"/>
-              <a:t>first order logics</a:t>
-            </a:r>
-            <a:r>
-              <a:rPr lang="ru-RU" i="1" dirty="0"/>
-              <a:t>)</a:t>
-            </a:r>
-            <a:r>
-              <a:rPr lang="en-US" i="1" dirty="0"/>
-              <a:t>: Prolog, </a:t>
-            </a:r>
-            <a:r>
-              <a:rPr lang="en-US" i="1" dirty="0" err="1"/>
-              <a:t>CycL</a:t>
-            </a:r>
-            <a:endParaRPr lang="en-US" i="1" dirty="0"/>
-          </a:p>
-          <a:p>
-            <a:r>
-              <a:rPr lang="ru-RU" i="1" dirty="0"/>
-              <a:t>Фреймовая логика (</a:t>
-            </a:r>
-            <a:r>
-              <a:rPr lang="en-US" i="1" dirty="0"/>
-              <a:t>F-logic</a:t>
-            </a:r>
-            <a:r>
-              <a:rPr lang="ru-RU" i="1" dirty="0"/>
-              <a:t>)</a:t>
-            </a:r>
-            <a:r>
-              <a:rPr lang="en-US" i="1" dirty="0"/>
-              <a:t>: Flora-2</a:t>
-            </a:r>
-          </a:p>
-          <a:p>
-            <a:r>
-              <a:rPr lang="ru-RU" i="1" dirty="0"/>
-              <a:t>Предметно-ориентированные языки (</a:t>
-            </a:r>
-            <a:r>
-              <a:rPr lang="en-US" i="1" dirty="0"/>
-              <a:t>DSL</a:t>
-            </a:r>
-            <a:r>
-              <a:rPr lang="ru-RU" i="1" dirty="0"/>
-              <a:t>)</a:t>
-            </a:r>
-            <a:r>
-              <a:rPr lang="en-US" i="1" dirty="0"/>
-              <a:t>: SQL</a:t>
-            </a:r>
-            <a:endParaRPr lang="ru-RU" i="1" dirty="0"/>
-          </a:p>
-          <a:p>
-            <a:endParaRPr lang="en-US" i="1" dirty="0"/>
-          </a:p>
-          <a:p>
-            <a:pPr marL="0" indent="0">
-              <a:buNone/>
-            </a:pPr>
-            <a:r>
-              <a:rPr lang="ru-RU" dirty="0"/>
-              <a:t>Основные сферы применения:</a:t>
-            </a:r>
-          </a:p>
-          <a:p>
-            <a:r>
-              <a:rPr lang="ru-RU" dirty="0"/>
-              <a:t>Моделирование бизнес-процессов</a:t>
-            </a:r>
-          </a:p>
-          <a:p>
-            <a:r>
-              <a:rPr lang="ru-RU" dirty="0"/>
-              <a:t>Семантическая паутина (Semantic Web)</a:t>
-            </a:r>
-          </a:p>
-          <a:p>
-            <a:r>
-              <a:rPr lang="ru-RU" dirty="0"/>
-              <a:t>Искусственный интеллект</a:t>
-            </a:r>
-            <a:endParaRPr lang="en-US" dirty="0"/>
-          </a:p>
-          <a:p>
-            <a:r>
-              <a:rPr lang="ru-RU" dirty="0"/>
-              <a:t>Системная инженерия</a:t>
-            </a:r>
-          </a:p>
-          <a:p>
-            <a:r>
-              <a:rPr lang="ru-RU" dirty="0"/>
-              <a:t>Проектирование ПО, информационная архитектура</a:t>
-            </a:r>
-          </a:p>
-          <a:p>
-            <a:r>
-              <a:rPr lang="ru-RU" dirty="0"/>
-              <a:t>Биомедицинская информатика</a:t>
-            </a:r>
-          </a:p>
-          <a:p>
-            <a:r>
-              <a:rPr lang="ru-RU" dirty="0"/>
-              <a:t>Библиотековедение</a:t>
-            </a:r>
+              <a:rPr lang="en-US" dirty="0"/>
+              <a:t>information architecture</a:t>
+            </a:r>
+            <a:endParaRPr lang="ru-RU" dirty="0"/>
+          </a:p>
+          <a:p>
+            <a:r>
+              <a:rPr lang="en-US" dirty="0"/>
+              <a:t>Medical cybernetics</a:t>
+            </a:r>
+          </a:p>
+          <a:p>
+            <a:r>
+              <a:rPr lang="en-US" dirty="0"/>
+              <a:t>Library science</a:t>
+            </a:r>
+            <a:endParaRPr lang="ru-RU" dirty="0"/>
           </a:p>
           <a:p>
             <a:endParaRPr lang="en-US" dirty="0"/>
@@ -28167,18 +28350,13 @@
           <a:lstStyle/>
           <a:p>
             <a:r>
-              <a:rPr lang="ru-RU" sz="2800" dirty="0">
+              <a:rPr lang="en-US" sz="2800" dirty="0">
                 <a:solidFill>
                   <a:srgbClr val="FFFF00"/>
                 </a:solidFill>
               </a:rPr>
-              <a:t>Пример онтологии</a:t>
-            </a:r>
-            <a:endParaRPr lang="en-US" sz="2800" dirty="0">
-              <a:solidFill>
-                <a:srgbClr val="FFFF00"/>
-              </a:solidFill>
-            </a:endParaRPr>
+              <a:t>Ontology example</a:t>
+            </a:r>
           </a:p>
         </p:txBody>
       </p:sp>
@@ -28205,7 +28383,7 @@
         <p:spPr>
           <a:xfrm>
             <a:off x="1752600" y="1050220"/>
-            <a:ext cx="8580120" cy="5424621"/>
+            <a:ext cx="8580119" cy="5424621"/>
           </a:xfrm>
           <a:prstGeom prst="rect">
             <a:avLst/>
@@ -28269,20 +28447,12 @@
           <a:lstStyle/>
           <a:p>
             <a:r>
-              <a:rPr lang="ru-RU" sz="2800" dirty="0">
+              <a:rPr lang="en-US" sz="2800" dirty="0">
                 <a:solidFill>
                   <a:srgbClr val="FFFF00"/>
                 </a:solidFill>
               </a:rPr>
-              <a:t>Особенности построения онтологий в задачах </a:t>
-            </a:r>
-            <a:r>
-              <a:rPr lang="en-US" sz="2800" dirty="0">
-                <a:solidFill>
-                  <a:srgbClr val="FFFF00"/>
-                </a:solidFill>
-              </a:rPr>
-              <a:t>RPA</a:t>
+              <a:t>Building ontologies in RPA tasks</a:t>
             </a:r>
           </a:p>
         </p:txBody>
@@ -28311,55 +28481,50 @@
         </p:spPr>
         <p:txBody>
           <a:bodyPr>
-            <a:normAutofit fontScale="85000" lnSpcReduction="20000"/>
+            <a:normAutofit fontScale="85000" lnSpcReduction="10000"/>
           </a:bodyPr>
           <a:lstStyle/>
           <a:p>
             <a:pPr algn="just"/>
             <a:r>
-              <a:rPr lang="ru-RU" dirty="0"/>
-              <a:t>Понятия, входящие в онтологию, является частью программы робота, которая описывается императивно – в виде последовательности действий. Поэтому декларативные и императивные компоненты программы должны быть тесно интегрированы.</a:t>
+              <a:rPr lang="en-US" dirty="0"/>
+              <a:t>The main goal is to facilitate the creation of robot control programs. Therefore, the means of ontology creation in declarative way and the means of creating  control programs in imperative way should be closely integrated.</a:t>
             </a:r>
           </a:p>
           <a:p>
             <a:pPr algn="just"/>
             <a:r>
-              <a:rPr lang="ru-RU" dirty="0"/>
-              <a:t>Основная задача – создать удобный инструмент для выделения абстрактного слоя понятий, который был бы близок к понятиям, которые мы используем при описании задачи на естественном языке, был бы осносительно устойчивым к изменениям на нижнем слое непосредственных фактов, мог быть применен к входным данным разного формата из различных источников.</a:t>
+              <a:rPr lang="en-US" dirty="0"/>
+              <a:t>The ontology description language should be convenient, have a low entry threshold, be close to traditional programming tools. </a:t>
             </a:r>
           </a:p>
           <a:p>
             <a:pPr algn="just"/>
             <a:r>
-              <a:rPr lang="ru-RU" dirty="0"/>
-              <a:t>В зачадах </a:t>
-            </a:r>
-            <a:r>
               <a:rPr lang="en-US" dirty="0"/>
-              <a:t>RPA </a:t>
-            </a:r>
-            <a:r>
-              <a:rPr lang="ru-RU" dirty="0"/>
-              <a:t>нет необходимости строить исчерпывающе полную и непротиворечивую онтологию, достаточно выделить только те понятия, которые необходимы для решения текущей задачи. </a:t>
+              <a:t>As well as expressively powerful and flexible to distinguish such an abstract layer of concepts that would be close to concepts in natural language,  be relatively resistant to changes on the lower layer of "ground level" facts, could be applied to input data of different formats from different sources.</a:t>
             </a:r>
           </a:p>
           <a:p>
             <a:pPr algn="just"/>
             <a:r>
-              <a:rPr lang="ru-RU" dirty="0"/>
-              <a:t>Документ может содержать несколько экземпляров одного и тогоже понятия одновременно, Например, несколько товаров на странице результатов поиска на сайте интернет-магазина. Поэтому онтология в первую очередь должна быть удобной для описания классов понятий, а не отношений между конкретными объектами.</a:t>
+              <a:rPr lang="en-US" dirty="0"/>
+              <a:t>There is no need to build an exhaustively complete and consistent ontology, it's just enough to define only those concepts that are necessary for solving the current task.</a:t>
             </a:r>
           </a:p>
           <a:p>
             <a:pPr algn="just"/>
             <a:r>
-              <a:rPr lang="ru-RU" dirty="0"/>
-              <a:t>Для поиска конкретных значений абстрактных понятий в документе необходим язык запросов. </a:t>
+              <a:rPr lang="en-US" dirty="0"/>
+              <a:t>The goal of the ontology is to structure the source data, highlight the repeated patterns in them. Therefore, first of all the ontology description language should be convenient for describing the classes of concepts. </a:t>
             </a:r>
           </a:p>
           <a:p>
             <a:pPr algn="just"/>
-            <a:endParaRPr lang="en-US" dirty="0"/>
+            <a:r>
+              <a:rPr lang="en-US" dirty="0"/>
+              <a:t>A query language is required for searching for specific values of abstract concepts in the source data.</a:t>
+            </a:r>
           </a:p>
         </p:txBody>
       </p:sp>
@@ -28412,7 +28577,7 @@
         <p:spPr>
           <a:xfrm>
             <a:off x="646111" y="452718"/>
-            <a:ext cx="9404723" cy="857922"/>
+            <a:ext cx="9404723" cy="598842"/>
           </a:xfrm>
         </p:spPr>
         <p:txBody>
@@ -28420,18 +28585,45 @@
           <a:lstStyle/>
           <a:p>
             <a:r>
+              <a:rPr lang="en-US" sz="2800" dirty="0">
+                <a:solidFill>
+                  <a:srgbClr val="FFFF00"/>
+                </a:solidFill>
+              </a:rPr>
+              <a:t>Hybrid</a:t>
+            </a:r>
+            <a:r>
               <a:rPr lang="ru-RU" sz="2800" dirty="0">
                 <a:solidFill>
                   <a:srgbClr val="FFFF00"/>
                 </a:solidFill>
               </a:rPr>
-              <a:t>Предлагаемое решение – гибридный логическо-императивный язык программирования</a:t>
-            </a:r>
-            <a:endParaRPr lang="en-US" sz="2800" dirty="0">
-              <a:solidFill>
-                <a:srgbClr val="FFFF00"/>
-              </a:solidFill>
-            </a:endParaRPr>
+              <a:t> </a:t>
+            </a:r>
+            <a:r>
+              <a:rPr lang="en-US" sz="2800" dirty="0">
+                <a:solidFill>
+                  <a:srgbClr val="FFFF00"/>
+                </a:solidFill>
+              </a:rPr>
+              <a:t>imperative-logical</a:t>
+            </a:r>
+            <a:r>
+              <a:rPr lang="ru-RU" sz="2800" dirty="0">
+                <a:solidFill>
+                  <a:srgbClr val="FFFF00"/>
+                </a:solidFill>
+              </a:rPr>
+              <a:t> </a:t>
+            </a:r>
+            <a:r>
+              <a:rPr lang="en-US" sz="2800" dirty="0">
+                <a:solidFill>
+                  <a:srgbClr val="FFFF00"/>
+                </a:solidFill>
+              </a:rPr>
+              <a:t>programming language</a:t>
+            </a:r>
           </a:p>
         </p:txBody>
       </p:sp>
@@ -28453,13 +28645,13 @@
         </p:nvSpPr>
         <p:spPr>
           <a:xfrm>
-            <a:off x="1103312" y="1524000"/>
-            <a:ext cx="8946541" cy="4724399"/>
+            <a:off x="1103312" y="1051560"/>
+            <a:ext cx="9503728" cy="5196839"/>
           </a:xfrm>
         </p:spPr>
         <p:txBody>
           <a:bodyPr>
-            <a:normAutofit fontScale="85000" lnSpcReduction="20000"/>
+            <a:normAutofit fontScale="92500" lnSpcReduction="20000"/>
           </a:bodyPr>
           <a:lstStyle/>
           <a:p>
@@ -28467,83 +28659,58 @@
               <a:buNone/>
             </a:pPr>
             <a:r>
+              <a:rPr lang="en-US" b="1" dirty="0"/>
+              <a:t>Key Features</a:t>
+            </a:r>
+            <a:r>
               <a:rPr lang="ru-RU" b="1" dirty="0"/>
-              <a:t>Основные особенности:</a:t>
-            </a:r>
-          </a:p>
-          <a:p>
-            <a:r>
-              <a:rPr lang="ru-RU" dirty="0"/>
-              <a:t>Язык естественным образом совмещает логическую и императивную парадигмы. Императивные операторы умеют манипулировать объектами, создаными с помощью декларативных описаний, которые в свою очередь могут создаваться с участием функций, написаных в императивном стиле.</a:t>
-            </a:r>
-          </a:p>
-          <a:p>
-            <a:r>
-              <a:rPr lang="ru-RU" dirty="0"/>
-              <a:t>Язык должен быть как можно более простым как для повседневной работы так и для обучения</a:t>
-            </a:r>
-          </a:p>
-          <a:p>
-            <a:r>
-              <a:rPr lang="ru-RU" dirty="0"/>
-              <a:t>Типизация императивной компоненты – динамическая, слабая. Синтаксис -  в </a:t>
-            </a:r>
+              <a:t>:</a:t>
+            </a:r>
+          </a:p>
+          <a:p>
             <a:r>
               <a:rPr lang="en-US" dirty="0"/>
-              <a:t>JavaScript </a:t>
-            </a:r>
-            <a:r>
-              <a:rPr lang="ru-RU" dirty="0"/>
-              <a:t>стиле.</a:t>
-            </a:r>
-          </a:p>
-          <a:p>
-            <a:r>
-              <a:rPr lang="ru-RU" dirty="0"/>
-              <a:t>Декларативная компонента – это иструмент для описания объектов и понятий (классов объектов). </a:t>
-            </a:r>
-          </a:p>
-          <a:p>
-            <a:r>
-              <a:rPr lang="ru-RU" dirty="0"/>
-              <a:t>Описание объекта включает в себя имя и набор атрибутов в виде пары имя – значение. Понятие</a:t>
-            </a:r>
+              <a:t>The language combines logical and imperative paradigms in a natural way. Imperative operators are able to manipulate objects created by declarative descriptions. Declarative elements in its turn can be created with the help of functions written in the imperative style</a:t>
+            </a:r>
+          </a:p>
+          <a:p>
             <a:r>
               <a:rPr lang="en-US" dirty="0"/>
-              <a:t> </a:t>
-            </a:r>
-            <a:r>
-              <a:rPr lang="ru-RU" dirty="0"/>
-              <a:t>описывает структуру объекта, а так же правило по его созданию на основе уже существующих понятий, связанных отношениями формальной логики. </a:t>
-            </a:r>
-          </a:p>
-          <a:p>
-            <a:r>
-              <a:rPr lang="ru-RU" dirty="0"/>
-              <a:t>Применение логического вывода к описанию понятия позволяет выделить набор соответствующих объектов из множества исходных фактов.</a:t>
-            </a:r>
+              <a:t>The language should be simple as much as possible for both daily work and for training</a:t>
+            </a:r>
+          </a:p>
+          <a:p>
             <a:r>
               <a:rPr lang="en-US" dirty="0"/>
-              <a:t> </a:t>
+              <a:t>Type system of imperative component is dynamic, weak. Syntax is in JavaScript style</a:t>
+            </a:r>
+          </a:p>
+          <a:p>
+            <a:r>
+              <a:rPr lang="en-US" dirty="0"/>
+              <a:t>Declarative component is a tool for describing objects and concepts (classes of objects)</a:t>
             </a:r>
             <a:endParaRPr lang="ru-RU" dirty="0"/>
           </a:p>
           <a:p>
             <a:r>
-              <a:rPr lang="ru-RU" dirty="0"/>
-              <a:t>Синтаксис декларативной компонеты - в </a:t>
-            </a:r>
-            <a:r>
               <a:rPr lang="en-US" dirty="0"/>
-              <a:t>SQL </a:t>
-            </a:r>
-            <a:r>
-              <a:rPr lang="ru-RU" dirty="0"/>
-              <a:t>стиле.</a:t>
-            </a:r>
-          </a:p>
-          <a:p>
-            <a:endParaRPr lang="en-US" dirty="0"/>
+              <a:t>The object description includes a name and a set of attributes in the form of a name-value pair. The concept describes the structure of an object, as well as the rule for its creation on the basis of already existing concepts and objects, connected by formal logic relations</a:t>
+            </a:r>
+            <a:endParaRPr lang="ru-RU" dirty="0"/>
+          </a:p>
+          <a:p>
+            <a:r>
+              <a:rPr lang="en-US" dirty="0"/>
+              <a:t>The application of logical inference to the concept allows to select a set of corresponding objects from a set of initial facts</a:t>
+            </a:r>
+            <a:endParaRPr lang="ru-RU" dirty="0"/>
+          </a:p>
+          <a:p>
+            <a:r>
+              <a:rPr lang="en-US" dirty="0"/>
+              <a:t>The syntax of the declarative component is in SQL style</a:t>
+            </a:r>
           </a:p>
         </p:txBody>
       </p:sp>
@@ -28604,34 +28771,13 @@
           <a:lstStyle/>
           <a:p>
             <a:r>
-              <a:rPr lang="ru-RU" sz="2800" dirty="0">
+              <a:rPr lang="en-US" sz="2800" dirty="0">
                 <a:solidFill>
                   <a:srgbClr val="FFFF00"/>
                 </a:solidFill>
               </a:rPr>
-              <a:t>Декларативная компонента</a:t>
-            </a:r>
-            <a:r>
-              <a:rPr lang="en-US" sz="2800" dirty="0">
-                <a:solidFill>
-                  <a:srgbClr val="FFFF00"/>
-                </a:solidFill>
-              </a:rPr>
-              <a:t> – </a:t>
-            </a:r>
-            <a:r>
-              <a:rPr lang="ru-RU" sz="2800" dirty="0">
-                <a:solidFill>
-                  <a:srgbClr val="FFFF00"/>
-                </a:solidFill>
-              </a:rPr>
-              <a:t>описание объектов</a:t>
-            </a:r>
-            <a:endParaRPr lang="en-US" sz="2800" dirty="0">
-              <a:solidFill>
-                <a:srgbClr val="FFFF00"/>
-              </a:solidFill>
-            </a:endParaRPr>
+              <a:t>Declarative component: objects</a:t>
+            </a:r>
           </a:p>
         </p:txBody>
       </p:sp>
@@ -28667,14 +28813,9 @@
               <a:buNone/>
             </a:pPr>
             <a:r>
-              <a:rPr lang="ru-RU" b="1" dirty="0"/>
-              <a:t>Объекты представляют конкретные сведения (знания) о предметной области. Описываются в виде имени и набора атрибутов:</a:t>
-            </a:r>
-          </a:p>
-          <a:p>
-            <a:pPr marL="0" indent="0">
-              <a:buNone/>
-            </a:pPr>
+              <a:rPr lang="en-US" b="1" dirty="0"/>
+              <a:t>Objects represent specific information (knowledge) about the subject area. Described by a name and set of attributes:</a:t>
+            </a:r>
             <a:endParaRPr lang="en-US" dirty="0"/>
           </a:p>
         </p:txBody>
@@ -29344,7 +29485,7 @@
                   <a:srgbClr val="CCFF99"/>
                 </a:solidFill>
               </a:rPr>
-              <a:t>    email: “oleksii.Voropai@accenture.com”,</a:t>
+              <a:t>    email: “oleksii.voropai@accenture.com”,</a:t>
             </a:r>
           </a:p>
           <a:p>

--- a/presentation.pptx
+++ b/presentation.pptx
@@ -331,7 +331,7 @@
           <a:p>
             <a:fld id="{4AAD347D-5ACD-4C99-B74B-A9C85AD731AF}" type="datetimeFigureOut">
               <a:rPr lang="en-US" dirty="0"/>
-              <a:t>12/15/2017</a:t>
+              <a:t>12/21/2017</a:t>
             </a:fld>
             <a:endParaRPr lang="en-US" dirty="0"/>
           </a:p>
@@ -601,7 +601,7 @@
           <a:p>
             <a:fld id="{4509A250-FF31-4206-8172-F9D3106AACB1}" type="datetimeFigureOut">
               <a:rPr lang="en-US" dirty="0"/>
-              <a:t>12/15/2017</a:t>
+              <a:t>12/21/2017</a:t>
             </a:fld>
             <a:endParaRPr lang="en-US" dirty="0"/>
           </a:p>
@@ -790,7 +790,7 @@
           <a:p>
             <a:fld id="{4509A250-FF31-4206-8172-F9D3106AACB1}" type="datetimeFigureOut">
               <a:rPr lang="en-US" dirty="0"/>
-              <a:t>12/15/2017</a:t>
+              <a:t>12/21/2017</a:t>
             </a:fld>
             <a:endParaRPr lang="en-US" dirty="0"/>
           </a:p>
@@ -1058,7 +1058,7 @@
           <a:p>
             <a:fld id="{4509A250-FF31-4206-8172-F9D3106AACB1}" type="datetimeFigureOut">
               <a:rPr lang="en-US" dirty="0"/>
-              <a:t>12/15/2017</a:t>
+              <a:t>12/21/2017</a:t>
             </a:fld>
             <a:endParaRPr lang="en-US" dirty="0"/>
           </a:p>
@@ -1394,7 +1394,7 @@
           <a:p>
             <a:fld id="{4509A250-FF31-4206-8172-F9D3106AACB1}" type="datetimeFigureOut">
               <a:rPr lang="en-US" dirty="0"/>
-              <a:t>12/15/2017</a:t>
+              <a:t>12/21/2017</a:t>
             </a:fld>
             <a:endParaRPr lang="en-US" dirty="0"/>
           </a:p>
@@ -2012,7 +2012,7 @@
           <a:p>
             <a:fld id="{4509A250-FF31-4206-8172-F9D3106AACB1}" type="datetimeFigureOut">
               <a:rPr lang="en-US" dirty="0"/>
-              <a:t>12/15/2017</a:t>
+              <a:t>12/21/2017</a:t>
             </a:fld>
             <a:endParaRPr lang="en-US" dirty="0"/>
           </a:p>
@@ -2867,7 +2867,7 @@
           <a:p>
             <a:fld id="{4509A250-FF31-4206-8172-F9D3106AACB1}" type="datetimeFigureOut">
               <a:rPr lang="en-US" dirty="0"/>
-              <a:t>12/15/2017</a:t>
+              <a:t>12/21/2017</a:t>
             </a:fld>
             <a:endParaRPr lang="en-US" dirty="0"/>
           </a:p>
@@ -3032,7 +3032,7 @@
           <a:p>
             <a:fld id="{4509A250-FF31-4206-8172-F9D3106AACB1}" type="datetimeFigureOut">
               <a:rPr lang="en-US" dirty="0"/>
-              <a:t>12/15/2017</a:t>
+              <a:t>12/21/2017</a:t>
             </a:fld>
             <a:endParaRPr lang="en-US" dirty="0"/>
           </a:p>
@@ -3207,7 +3207,7 @@
           <a:p>
             <a:fld id="{4509A250-FF31-4206-8172-F9D3106AACB1}" type="datetimeFigureOut">
               <a:rPr lang="en-US" dirty="0"/>
-              <a:t>12/15/2017</a:t>
+              <a:t>12/21/2017</a:t>
             </a:fld>
             <a:endParaRPr lang="en-US" dirty="0"/>
           </a:p>
@@ -3372,7 +3372,7 @@
           <a:p>
             <a:fld id="{4509A250-FF31-4206-8172-F9D3106AACB1}" type="datetimeFigureOut">
               <a:rPr lang="en-US" dirty="0"/>
-              <a:t>12/15/2017</a:t>
+              <a:t>12/21/2017</a:t>
             </a:fld>
             <a:endParaRPr lang="en-US" dirty="0"/>
           </a:p>
@@ -3614,7 +3614,7 @@
           <a:p>
             <a:fld id="{9796027F-7875-4030-9381-8BD8C4F21935}" type="datetimeFigureOut">
               <a:rPr lang="en-US" dirty="0"/>
-              <a:t>12/15/2017</a:t>
+              <a:t>12/21/2017</a:t>
             </a:fld>
             <a:endParaRPr lang="en-US" dirty="0"/>
           </a:p>
@@ -3901,7 +3901,7 @@
           <a:p>
             <a:fld id="{9796027F-7875-4030-9381-8BD8C4F21935}" type="datetimeFigureOut">
               <a:rPr lang="en-US" dirty="0"/>
-              <a:t>12/15/2017</a:t>
+              <a:t>12/21/2017</a:t>
             </a:fld>
             <a:endParaRPr lang="en-US" dirty="0"/>
           </a:p>
@@ -4340,7 +4340,7 @@
           <a:p>
             <a:fld id="{9796027F-7875-4030-9381-8BD8C4F21935}" type="datetimeFigureOut">
               <a:rPr lang="en-US" dirty="0"/>
-              <a:t>12/15/2017</a:t>
+              <a:t>12/21/2017</a:t>
             </a:fld>
             <a:endParaRPr lang="en-US" dirty="0"/>
           </a:p>
@@ -4453,7 +4453,7 @@
           <a:p>
             <a:fld id="{4509A250-FF31-4206-8172-F9D3106AACB1}" type="datetimeFigureOut">
               <a:rPr lang="en-US" dirty="0"/>
-              <a:t>12/15/2017</a:t>
+              <a:t>12/21/2017</a:t>
             </a:fld>
             <a:endParaRPr lang="en-US" dirty="0"/>
           </a:p>
@@ -4543,7 +4543,7 @@
           <a:p>
             <a:fld id="{4509A250-FF31-4206-8172-F9D3106AACB1}" type="datetimeFigureOut">
               <a:rPr lang="en-US" dirty="0"/>
-              <a:t>12/15/2017</a:t>
+              <a:t>12/21/2017</a:t>
             </a:fld>
             <a:endParaRPr lang="en-US" dirty="0"/>
           </a:p>
@@ -4817,7 +4817,7 @@
           <a:p>
             <a:fld id="{4509A250-FF31-4206-8172-F9D3106AACB1}" type="datetimeFigureOut">
               <a:rPr lang="en-US" dirty="0"/>
-              <a:t>12/15/2017</a:t>
+              <a:t>12/21/2017</a:t>
             </a:fld>
             <a:endParaRPr lang="en-US" dirty="0"/>
           </a:p>
@@ -5087,7 +5087,7 @@
           <a:p>
             <a:fld id="{4509A250-FF31-4206-8172-F9D3106AACB1}" type="datetimeFigureOut">
               <a:rPr lang="en-US" dirty="0"/>
-              <a:t>12/15/2017</a:t>
+              <a:t>12/21/2017</a:t>
             </a:fld>
             <a:endParaRPr lang="en-US" dirty="0"/>
           </a:p>
@@ -5511,7 +5511,7 @@
           <a:p>
             <a:fld id="{4AAD347D-5ACD-4C99-B74B-A9C85AD731AF}" type="datetimeFigureOut">
               <a:rPr lang="en-US" dirty="0"/>
-              <a:t>12/15/2017</a:t>
+              <a:t>12/21/2017</a:t>
             </a:fld>
             <a:endParaRPr lang="en-US" dirty="0"/>
           </a:p>
@@ -22025,15 +22025,7 @@
           <a:p>
             <a:r>
               <a:rPr lang="en-US" dirty="0"/>
-              <a:t>Also, the list of objects can be prepared inside the function and returned as a result. After that the list of objects can be added to the knowledge base by single </a:t>
-            </a:r>
-            <a:r>
-              <a:rPr lang="en-US" dirty="0" err="1"/>
-              <a:t>satement</a:t>
-            </a:r>
-            <a:r>
-              <a:rPr lang="en-US" dirty="0"/>
-              <a:t> </a:t>
+              <a:t>Also, the list of objects can be prepared inside the function and returned as a result. After that the list of objects can be added to the knowledge base by single statement </a:t>
             </a:r>
             <a:r>
               <a:rPr lang="ru-RU" dirty="0"/>
@@ -23880,7 +23872,7 @@
                   <a:srgbClr val="CCFF99"/>
                 </a:solidFill>
               </a:rPr>
-              <a:t> = "Search...", element = $</a:t>
+              <a:t> = "Search...", element = </a:t>
             </a:r>
             <a:r>
               <a:rPr lang="en-US" sz="1600" i="1" dirty="0" err="1">
@@ -24307,7 +24299,7 @@
                   <a:srgbClr val="CCFF99"/>
                 </a:solidFill>
               </a:rPr>
-              <a:t>ProductTile</a:t>
+              <a:t>productTile</a:t>
             </a:r>
             <a:r>
               <a:rPr lang="en-US" i="1" dirty="0">
@@ -24416,7 +24408,7 @@
                   <a:srgbClr val="CCFF99"/>
                 </a:solidFill>
               </a:rPr>
-              <a:t>ProductAvailability</a:t>
+              <a:t>productAvailability</a:t>
             </a:r>
             <a:r>
               <a:rPr lang="en-US" i="1" dirty="0">
@@ -24581,7 +24573,7 @@
                   <a:srgbClr val="CCFF99"/>
                 </a:solidFill>
               </a:rPr>
-              <a:t>    if (color == "Brown") { return "green"; };</a:t>
+              <a:t>    if (color == "Brown") { return “yellow"; };</a:t>
             </a:r>
           </a:p>
           <a:p>
